--- a/projects/01-socket-chat/1.3-non-blocking-socketchannel/non-blocking-chat.pptx
+++ b/projects/01-socket-chat/1.3-non-blocking-socketchannel/non-blocking-chat.pptx
@@ -8,18 +8,19 @@
     <p:sldId id="266" r:id="rId2"/>
     <p:sldId id="271" r:id="rId3"/>
     <p:sldId id="284" r:id="rId4"/>
-    <p:sldId id="272" r:id="rId5"/>
-    <p:sldId id="273" r:id="rId6"/>
-    <p:sldId id="274" r:id="rId7"/>
-    <p:sldId id="275" r:id="rId8"/>
-    <p:sldId id="276" r:id="rId9"/>
-    <p:sldId id="277" r:id="rId10"/>
-    <p:sldId id="278" r:id="rId11"/>
-    <p:sldId id="279" r:id="rId12"/>
-    <p:sldId id="280" r:id="rId13"/>
-    <p:sldId id="281" r:id="rId14"/>
-    <p:sldId id="282" r:id="rId15"/>
-    <p:sldId id="283" r:id="rId16"/>
+    <p:sldId id="285" r:id="rId5"/>
+    <p:sldId id="272" r:id="rId6"/>
+    <p:sldId id="273" r:id="rId7"/>
+    <p:sldId id="274" r:id="rId8"/>
+    <p:sldId id="275" r:id="rId9"/>
+    <p:sldId id="276" r:id="rId10"/>
+    <p:sldId id="277" r:id="rId11"/>
+    <p:sldId id="278" r:id="rId12"/>
+    <p:sldId id="279" r:id="rId13"/>
+    <p:sldId id="280" r:id="rId14"/>
+    <p:sldId id="281" r:id="rId15"/>
+    <p:sldId id="282" r:id="rId16"/>
+    <p:sldId id="283" r:id="rId17"/>
   </p:sldIdLst>
   <p:sldSz cx="12192000" cy="6858000"/>
   <p:notesSz cx="6858000" cy="9144000"/>
@@ -296,7 +297,7 @@
           <a:p>
             <a:fld id="{9D1441F9-EC97-2D4F-BE7B-2F3A7CF96111}" type="datetimeFigureOut">
               <a:rPr lang="en-US" smtClean="0"/>
-              <a:t>12/3/18</a:t>
+              <a:t>4/10/19</a:t>
             </a:fld>
             <a:endParaRPr lang="en-US" dirty="0"/>
           </a:p>
@@ -563,7 +564,7 @@
           <a:p>
             <a:fld id="{9D1441F9-EC97-2D4F-BE7B-2F3A7CF96111}" type="datetimeFigureOut">
               <a:rPr lang="en-US" smtClean="0"/>
-              <a:t>12/3/18</a:t>
+              <a:t>4/10/19</a:t>
             </a:fld>
             <a:endParaRPr lang="en-US" dirty="0"/>
           </a:p>
@@ -794,7 +795,7 @@
           <a:p>
             <a:fld id="{9D1441F9-EC97-2D4F-BE7B-2F3A7CF96111}" type="datetimeFigureOut">
               <a:rPr lang="en-US" smtClean="0"/>
-              <a:t>12/3/18</a:t>
+              <a:t>4/10/19</a:t>
             </a:fld>
             <a:endParaRPr lang="en-US" dirty="0"/>
           </a:p>
@@ -1104,7 +1105,7 @@
           <a:p>
             <a:fld id="{9D1441F9-EC97-2D4F-BE7B-2F3A7CF96111}" type="datetimeFigureOut">
               <a:rPr lang="en-US" smtClean="0"/>
-              <a:t>12/3/18</a:t>
+              <a:t>4/10/19</a:t>
             </a:fld>
             <a:endParaRPr lang="en-US" dirty="0"/>
           </a:p>
@@ -1577,7 +1578,7 @@
           <a:p>
             <a:fld id="{9D1441F9-EC97-2D4F-BE7B-2F3A7CF96111}" type="datetimeFigureOut">
               <a:rPr lang="en-US" smtClean="0"/>
-              <a:t>12/3/18</a:t>
+              <a:t>4/10/19</a:t>
             </a:fld>
             <a:endParaRPr lang="en-US" dirty="0"/>
           </a:p>
@@ -2124,7 +2125,7 @@
           <a:p>
             <a:fld id="{9D1441F9-EC97-2D4F-BE7B-2F3A7CF96111}" type="datetimeFigureOut">
               <a:rPr lang="en-US" smtClean="0"/>
-              <a:t>12/3/18</a:t>
+              <a:t>4/10/19</a:t>
             </a:fld>
             <a:endParaRPr lang="en-US" dirty="0"/>
           </a:p>
@@ -2898,7 +2899,7 @@
           <a:p>
             <a:fld id="{9D1441F9-EC97-2D4F-BE7B-2F3A7CF96111}" type="datetimeFigureOut">
               <a:rPr lang="en-US" smtClean="0"/>
-              <a:t>12/3/18</a:t>
+              <a:t>4/10/19</a:t>
             </a:fld>
             <a:endParaRPr lang="en-US" dirty="0"/>
           </a:p>
@@ -3073,7 +3074,7 @@
           <a:p>
             <a:fld id="{9D1441F9-EC97-2D4F-BE7B-2F3A7CF96111}" type="datetimeFigureOut">
               <a:rPr lang="en-US" smtClean="0"/>
-              <a:t>12/3/18</a:t>
+              <a:t>4/10/19</a:t>
             </a:fld>
             <a:endParaRPr lang="en-US" dirty="0"/>
           </a:p>
@@ -3296,7 +3297,7 @@
           <a:p>
             <a:fld id="{9D1441F9-EC97-2D4F-BE7B-2F3A7CF96111}" type="datetimeFigureOut">
               <a:rPr lang="en-US" smtClean="0"/>
-              <a:t>12/3/18</a:t>
+              <a:t>4/10/19</a:t>
             </a:fld>
             <a:endParaRPr lang="en-US" dirty="0"/>
           </a:p>
@@ -3476,7 +3477,7 @@
           <a:p>
             <a:fld id="{9D1441F9-EC97-2D4F-BE7B-2F3A7CF96111}" type="datetimeFigureOut">
               <a:rPr lang="en-US" smtClean="0"/>
-              <a:t>12/3/18</a:t>
+              <a:t>4/10/19</a:t>
             </a:fld>
             <a:endParaRPr lang="en-US" dirty="0"/>
           </a:p>
@@ -3765,7 +3766,7 @@
           <a:p>
             <a:fld id="{9D1441F9-EC97-2D4F-BE7B-2F3A7CF96111}" type="datetimeFigureOut">
               <a:rPr lang="en-US" smtClean="0"/>
-              <a:t>12/3/18</a:t>
+              <a:t>4/10/19</a:t>
             </a:fld>
             <a:endParaRPr lang="en-US" dirty="0"/>
           </a:p>
@@ -4007,7 +4008,7 @@
           <a:p>
             <a:fld id="{9D1441F9-EC97-2D4F-BE7B-2F3A7CF96111}" type="datetimeFigureOut">
               <a:rPr lang="en-US" smtClean="0"/>
-              <a:t>12/3/18</a:t>
+              <a:t>4/10/19</a:t>
             </a:fld>
             <a:endParaRPr lang="en-US" dirty="0"/>
           </a:p>
@@ -4386,7 +4387,7 @@
           <a:p>
             <a:fld id="{9D1441F9-EC97-2D4F-BE7B-2F3A7CF96111}" type="datetimeFigureOut">
               <a:rPr lang="en-US" smtClean="0"/>
-              <a:t>12/3/18</a:t>
+              <a:t>4/10/19</a:t>
             </a:fld>
             <a:endParaRPr lang="en-US" dirty="0"/>
           </a:p>
@@ -4504,7 +4505,7 @@
           <a:p>
             <a:fld id="{9D1441F9-EC97-2D4F-BE7B-2F3A7CF96111}" type="datetimeFigureOut">
               <a:rPr lang="en-US" smtClean="0"/>
-              <a:t>12/3/18</a:t>
+              <a:t>4/10/19</a:t>
             </a:fld>
             <a:endParaRPr lang="en-US" dirty="0"/>
           </a:p>
@@ -4599,7 +4600,7 @@
           <a:p>
             <a:fld id="{9D1441F9-EC97-2D4F-BE7B-2F3A7CF96111}" type="datetimeFigureOut">
               <a:rPr lang="en-US" smtClean="0"/>
-              <a:t>12/3/18</a:t>
+              <a:t>4/10/19</a:t>
             </a:fld>
             <a:endParaRPr lang="en-US" dirty="0"/>
           </a:p>
@@ -4848,7 +4849,7 @@
           <a:p>
             <a:fld id="{9D1441F9-EC97-2D4F-BE7B-2F3A7CF96111}" type="datetimeFigureOut">
               <a:rPr lang="en-US" smtClean="0"/>
-              <a:t>12/3/18</a:t>
+              <a:t>4/10/19</a:t>
             </a:fld>
             <a:endParaRPr lang="en-US" dirty="0"/>
           </a:p>
@@ -5105,7 +5106,7 @@
           <a:p>
             <a:fld id="{9D1441F9-EC97-2D4F-BE7B-2F3A7CF96111}" type="datetimeFigureOut">
               <a:rPr lang="en-US" smtClean="0"/>
-              <a:t>12/3/18</a:t>
+              <a:t>4/10/19</a:t>
             </a:fld>
             <a:endParaRPr lang="en-US" dirty="0"/>
           </a:p>
@@ -5348,7 +5349,7 @@
           <a:p>
             <a:fld id="{9D1441F9-EC97-2D4F-BE7B-2F3A7CF96111}" type="datetimeFigureOut">
               <a:rPr lang="en-US" smtClean="0"/>
-              <a:t>12/3/18</a:t>
+              <a:t>4/10/19</a:t>
             </a:fld>
             <a:endParaRPr lang="en-US" dirty="0"/>
           </a:p>
@@ -5892,6 +5893,436 @@
       </p:grpSpPr>
       <p:sp>
         <p:nvSpPr>
+          <p:cNvPr id="2" name="Title 1">
+            <a:extLst>
+              <a:ext uri="{FF2B5EF4-FFF2-40B4-BE49-F238E27FC236}">
+                <a16:creationId xmlns:a16="http://schemas.microsoft.com/office/drawing/2014/main" id="{58204B45-BA2F-544A-ADBD-2B584480C63E}"/>
+              </a:ext>
+            </a:extLst>
+          </p:cNvPr>
+          <p:cNvSpPr>
+            <a:spLocks noGrp="1"/>
+          </p:cNvSpPr>
+          <p:nvPr>
+            <p:ph type="title"/>
+          </p:nvPr>
+        </p:nvSpPr>
+        <p:spPr/>
+        <p:txBody>
+          <a:bodyPr/>
+          <a:lstStyle/>
+          <a:p>
+            <a:r>
+              <a:rPr lang="pt-BR" b="1" dirty="0"/>
+              <a:t>Classe </a:t>
+            </a:r>
+            <a:r>
+              <a:rPr lang="pt-BR" b="1" dirty="0" err="1"/>
+              <a:t>ByteBuffer</a:t>
+            </a:r>
+            <a:endParaRPr lang="pt-BR" dirty="0"/>
+          </a:p>
+        </p:txBody>
+      </p:sp>
+      <p:sp>
+        <p:nvSpPr>
+          <p:cNvPr id="3" name="Content Placeholder 2">
+            <a:extLst>
+              <a:ext uri="{FF2B5EF4-FFF2-40B4-BE49-F238E27FC236}">
+                <a16:creationId xmlns:a16="http://schemas.microsoft.com/office/drawing/2014/main" id="{C9044F89-E3C1-E349-B0DE-0B932821234C}"/>
+              </a:ext>
+            </a:extLst>
+          </p:cNvPr>
+          <p:cNvSpPr>
+            <a:spLocks noGrp="1"/>
+          </p:cNvSpPr>
+          <p:nvPr>
+            <p:ph idx="1"/>
+          </p:nvPr>
+        </p:nvSpPr>
+        <p:spPr>
+          <a:xfrm>
+            <a:off x="715617" y="2133600"/>
+            <a:ext cx="10788995" cy="1581150"/>
+          </a:xfrm>
+        </p:spPr>
+        <p:txBody>
+          <a:bodyPr>
+            <a:normAutofit/>
+          </a:bodyPr>
+          <a:lstStyle/>
+          <a:p>
+            <a:r>
+              <a:rPr lang="pt-BR" sz="2800" dirty="0"/>
+              <a:t>Eles iniciam vazios e possuem um ponteiro indicando a posição atual</a:t>
+            </a:r>
+          </a:p>
+        </p:txBody>
+      </p:sp>
+      <p:grpSp>
+        <p:nvGrpSpPr>
+          <p:cNvPr id="9" name="Group 8">
+            <a:extLst>
+              <a:ext uri="{FF2B5EF4-FFF2-40B4-BE49-F238E27FC236}">
+                <a16:creationId xmlns:a16="http://schemas.microsoft.com/office/drawing/2014/main" id="{5FE9113D-1442-4E48-956A-96FEDAA20CC2}"/>
+              </a:ext>
+            </a:extLst>
+          </p:cNvPr>
+          <p:cNvGrpSpPr/>
+          <p:nvPr/>
+        </p:nvGrpSpPr>
+        <p:grpSpPr>
+          <a:xfrm>
+            <a:off x="3238500" y="4210050"/>
+            <a:ext cx="4572000" cy="914400"/>
+            <a:chOff x="3238500" y="4210050"/>
+            <a:chExt cx="4572000" cy="914400"/>
+          </a:xfrm>
+        </p:grpSpPr>
+        <p:sp>
+          <p:nvSpPr>
+            <p:cNvPr id="4" name="Rectangle 3">
+              <a:extLst>
+                <a:ext uri="{FF2B5EF4-FFF2-40B4-BE49-F238E27FC236}">
+                  <a16:creationId xmlns:a16="http://schemas.microsoft.com/office/drawing/2014/main" id="{F15EA635-60EC-7B43-A400-C0B11A07569C}"/>
+                </a:ext>
+              </a:extLst>
+            </p:cNvPr>
+            <p:cNvSpPr/>
+            <p:nvPr/>
+          </p:nvSpPr>
+          <p:spPr>
+            <a:xfrm>
+              <a:off x="3238500" y="4210050"/>
+              <a:ext cx="914400" cy="914400"/>
+            </a:xfrm>
+            <a:prstGeom prst="rect">
+              <a:avLst/>
+            </a:prstGeom>
+            <a:solidFill>
+              <a:schemeClr val="bg1"/>
+            </a:solidFill>
+          </p:spPr>
+          <p:style>
+            <a:lnRef idx="2">
+              <a:schemeClr val="accent1">
+                <a:shade val="50000"/>
+              </a:schemeClr>
+            </a:lnRef>
+            <a:fillRef idx="1">
+              <a:schemeClr val="accent1"/>
+            </a:fillRef>
+            <a:effectRef idx="0">
+              <a:schemeClr val="accent1"/>
+            </a:effectRef>
+            <a:fontRef idx="minor">
+              <a:schemeClr val="lt1"/>
+            </a:fontRef>
+          </p:style>
+          <p:txBody>
+            <a:bodyPr rtlCol="0" anchor="ctr"/>
+            <a:lstStyle/>
+            <a:p>
+              <a:pPr algn="ctr"/>
+              <a:endParaRPr lang="pt-BR" sz="3200" b="1" dirty="0">
+                <a:solidFill>
+                  <a:schemeClr val="tx1"/>
+                </a:solidFill>
+              </a:endParaRPr>
+            </a:p>
+          </p:txBody>
+        </p:sp>
+        <p:sp>
+          <p:nvSpPr>
+            <p:cNvPr id="5" name="Rectangle 4">
+              <a:extLst>
+                <a:ext uri="{FF2B5EF4-FFF2-40B4-BE49-F238E27FC236}">
+                  <a16:creationId xmlns:a16="http://schemas.microsoft.com/office/drawing/2014/main" id="{5B2BEB55-D80A-0642-9204-4B755BD9B505}"/>
+                </a:ext>
+              </a:extLst>
+            </p:cNvPr>
+            <p:cNvSpPr/>
+            <p:nvPr/>
+          </p:nvSpPr>
+          <p:spPr>
+            <a:xfrm>
+              <a:off x="4152900" y="4210050"/>
+              <a:ext cx="914400" cy="914400"/>
+            </a:xfrm>
+            <a:prstGeom prst="rect">
+              <a:avLst/>
+            </a:prstGeom>
+            <a:solidFill>
+              <a:schemeClr val="bg1"/>
+            </a:solidFill>
+          </p:spPr>
+          <p:style>
+            <a:lnRef idx="2">
+              <a:schemeClr val="accent1">
+                <a:shade val="50000"/>
+              </a:schemeClr>
+            </a:lnRef>
+            <a:fillRef idx="1">
+              <a:schemeClr val="accent1"/>
+            </a:fillRef>
+            <a:effectRef idx="0">
+              <a:schemeClr val="accent1"/>
+            </a:effectRef>
+            <a:fontRef idx="minor">
+              <a:schemeClr val="lt1"/>
+            </a:fontRef>
+          </p:style>
+          <p:txBody>
+            <a:bodyPr rtlCol="0" anchor="ctr"/>
+            <a:lstStyle/>
+            <a:p>
+              <a:pPr algn="ctr"/>
+              <a:endParaRPr lang="pt-BR" sz="3200" b="1" dirty="0">
+                <a:solidFill>
+                  <a:schemeClr val="tx1"/>
+                </a:solidFill>
+              </a:endParaRPr>
+            </a:p>
+          </p:txBody>
+        </p:sp>
+        <p:sp>
+          <p:nvSpPr>
+            <p:cNvPr id="6" name="Rectangle 5">
+              <a:extLst>
+                <a:ext uri="{FF2B5EF4-FFF2-40B4-BE49-F238E27FC236}">
+                  <a16:creationId xmlns:a16="http://schemas.microsoft.com/office/drawing/2014/main" id="{6009B97A-E0A2-CB40-A150-6DCDC648A6F2}"/>
+                </a:ext>
+              </a:extLst>
+            </p:cNvPr>
+            <p:cNvSpPr/>
+            <p:nvPr/>
+          </p:nvSpPr>
+          <p:spPr>
+            <a:xfrm>
+              <a:off x="5067300" y="4210050"/>
+              <a:ext cx="914400" cy="914400"/>
+            </a:xfrm>
+            <a:prstGeom prst="rect">
+              <a:avLst/>
+            </a:prstGeom>
+            <a:solidFill>
+              <a:schemeClr val="bg1"/>
+            </a:solidFill>
+          </p:spPr>
+          <p:style>
+            <a:lnRef idx="2">
+              <a:schemeClr val="accent1">
+                <a:shade val="50000"/>
+              </a:schemeClr>
+            </a:lnRef>
+            <a:fillRef idx="1">
+              <a:schemeClr val="accent1"/>
+            </a:fillRef>
+            <a:effectRef idx="0">
+              <a:schemeClr val="accent1"/>
+            </a:effectRef>
+            <a:fontRef idx="minor">
+              <a:schemeClr val="lt1"/>
+            </a:fontRef>
+          </p:style>
+          <p:txBody>
+            <a:bodyPr rtlCol="0" anchor="ctr"/>
+            <a:lstStyle/>
+            <a:p>
+              <a:pPr algn="ctr"/>
+              <a:endParaRPr lang="pt-BR" sz="3200" b="1" dirty="0">
+                <a:solidFill>
+                  <a:schemeClr val="tx1"/>
+                </a:solidFill>
+              </a:endParaRPr>
+            </a:p>
+          </p:txBody>
+        </p:sp>
+        <p:sp>
+          <p:nvSpPr>
+            <p:cNvPr id="7" name="Rectangle 6">
+              <a:extLst>
+                <a:ext uri="{FF2B5EF4-FFF2-40B4-BE49-F238E27FC236}">
+                  <a16:creationId xmlns:a16="http://schemas.microsoft.com/office/drawing/2014/main" id="{BC6BA2EC-C745-8C4B-982C-01ED348F61F2}"/>
+                </a:ext>
+              </a:extLst>
+            </p:cNvPr>
+            <p:cNvSpPr/>
+            <p:nvPr/>
+          </p:nvSpPr>
+          <p:spPr>
+            <a:xfrm>
+              <a:off x="5981700" y="4210050"/>
+              <a:ext cx="914400" cy="914400"/>
+            </a:xfrm>
+            <a:prstGeom prst="rect">
+              <a:avLst/>
+            </a:prstGeom>
+            <a:solidFill>
+              <a:schemeClr val="bg1"/>
+            </a:solidFill>
+          </p:spPr>
+          <p:style>
+            <a:lnRef idx="2">
+              <a:schemeClr val="accent1">
+                <a:shade val="50000"/>
+              </a:schemeClr>
+            </a:lnRef>
+            <a:fillRef idx="1">
+              <a:schemeClr val="accent1"/>
+            </a:fillRef>
+            <a:effectRef idx="0">
+              <a:schemeClr val="accent1"/>
+            </a:effectRef>
+            <a:fontRef idx="minor">
+              <a:schemeClr val="lt1"/>
+            </a:fontRef>
+          </p:style>
+          <p:txBody>
+            <a:bodyPr rtlCol="0" anchor="ctr"/>
+            <a:lstStyle/>
+            <a:p>
+              <a:pPr algn="ctr"/>
+              <a:endParaRPr lang="pt-BR" sz="3200" b="1" dirty="0">
+                <a:solidFill>
+                  <a:schemeClr val="tx1"/>
+                </a:solidFill>
+              </a:endParaRPr>
+            </a:p>
+          </p:txBody>
+        </p:sp>
+        <p:sp>
+          <p:nvSpPr>
+            <p:cNvPr id="8" name="Rectangle 7">
+              <a:extLst>
+                <a:ext uri="{FF2B5EF4-FFF2-40B4-BE49-F238E27FC236}">
+                  <a16:creationId xmlns:a16="http://schemas.microsoft.com/office/drawing/2014/main" id="{7E78FB44-1E7A-684B-831A-8B773C308356}"/>
+                </a:ext>
+              </a:extLst>
+            </p:cNvPr>
+            <p:cNvSpPr/>
+            <p:nvPr/>
+          </p:nvSpPr>
+          <p:spPr>
+            <a:xfrm>
+              <a:off x="6896100" y="4210050"/>
+              <a:ext cx="914400" cy="914400"/>
+            </a:xfrm>
+            <a:prstGeom prst="rect">
+              <a:avLst/>
+            </a:prstGeom>
+            <a:solidFill>
+              <a:schemeClr val="bg1"/>
+            </a:solidFill>
+          </p:spPr>
+          <p:style>
+            <a:lnRef idx="2">
+              <a:schemeClr val="accent1">
+                <a:shade val="50000"/>
+              </a:schemeClr>
+            </a:lnRef>
+            <a:fillRef idx="1">
+              <a:schemeClr val="accent1"/>
+            </a:fillRef>
+            <a:effectRef idx="0">
+              <a:schemeClr val="accent1"/>
+            </a:effectRef>
+            <a:fontRef idx="minor">
+              <a:schemeClr val="lt1"/>
+            </a:fontRef>
+          </p:style>
+          <p:txBody>
+            <a:bodyPr rtlCol="0" anchor="ctr"/>
+            <a:lstStyle/>
+            <a:p>
+              <a:pPr algn="ctr"/>
+              <a:endParaRPr lang="pt-BR" sz="3200" b="1" dirty="0">
+                <a:solidFill>
+                  <a:schemeClr val="tx1"/>
+                </a:solidFill>
+              </a:endParaRPr>
+            </a:p>
+          </p:txBody>
+        </p:sp>
+      </p:grpSp>
+      <p:sp>
+        <p:nvSpPr>
+          <p:cNvPr id="10" name="Right Arrow 9">
+            <a:extLst>
+              <a:ext uri="{FF2B5EF4-FFF2-40B4-BE49-F238E27FC236}">
+                <a16:creationId xmlns:a16="http://schemas.microsoft.com/office/drawing/2014/main" id="{F59C370B-AA76-7245-B3E8-D27ED258FF73}"/>
+              </a:ext>
+            </a:extLst>
+          </p:cNvPr>
+          <p:cNvSpPr/>
+          <p:nvPr/>
+        </p:nvSpPr>
+        <p:spPr>
+          <a:xfrm rot="16200000">
+            <a:off x="3295650" y="5514975"/>
+            <a:ext cx="819150" cy="285750"/>
+          </a:xfrm>
+          <a:prstGeom prst="rightArrow">
+            <a:avLst/>
+          </a:prstGeom>
+        </p:spPr>
+        <p:style>
+          <a:lnRef idx="2">
+            <a:schemeClr val="accent1">
+              <a:shade val="50000"/>
+            </a:schemeClr>
+          </a:lnRef>
+          <a:fillRef idx="1">
+            <a:schemeClr val="accent1"/>
+          </a:fillRef>
+          <a:effectRef idx="0">
+            <a:schemeClr val="accent1"/>
+          </a:effectRef>
+          <a:fontRef idx="minor">
+            <a:schemeClr val="lt1"/>
+          </a:fontRef>
+        </p:style>
+        <p:txBody>
+          <a:bodyPr rtlCol="0" anchor="ctr"/>
+          <a:lstStyle/>
+          <a:p>
+            <a:pPr algn="ctr"/>
+            <a:endParaRPr lang="pt-BR"/>
+          </a:p>
+        </p:txBody>
+      </p:sp>
+    </p:spTree>
+    <p:extLst>
+      <p:ext uri="{BB962C8B-B14F-4D97-AF65-F5344CB8AC3E}">
+        <p14:creationId xmlns:p14="http://schemas.microsoft.com/office/powerpoint/2010/main" val="3925802817"/>
+      </p:ext>
+    </p:extLst>
+  </p:cSld>
+  <p:clrMapOvr>
+    <a:masterClrMapping/>
+  </p:clrMapOvr>
+</p:sld>
+</file>
+
+<file path=ppt/slides/slide11.xml><?xml version="1.0" encoding="utf-8"?>
+<p:sld xmlns:a="http://schemas.openxmlformats.org/drawingml/2006/main" xmlns:r="http://schemas.openxmlformats.org/officeDocument/2006/relationships" xmlns:p="http://schemas.openxmlformats.org/presentationml/2006/main">
+  <p:cSld>
+    <p:spTree>
+      <p:nvGrpSpPr>
+        <p:cNvPr id="1" name=""/>
+        <p:cNvGrpSpPr/>
+        <p:nvPr/>
+      </p:nvGrpSpPr>
+      <p:grpSpPr>
+        <a:xfrm>
+          <a:off x="0" y="0"/>
+          <a:ext cx="0" cy="0"/>
+          <a:chOff x="0" y="0"/>
+          <a:chExt cx="0" cy="0"/>
+        </a:xfrm>
+      </p:grpSpPr>
+      <p:sp>
+        <p:nvSpPr>
           <p:cNvPr id="11" name="Rectangle 10">
             <a:extLst>
               <a:ext uri="{FF2B5EF4-FFF2-40B4-BE49-F238E27FC236}">
@@ -6447,7 +6878,7 @@
 </p:sld>
 </file>
 
-<file path=ppt/slides/slide11.xml><?xml version="1.0" encoding="utf-8"?>
+<file path=ppt/slides/slide12.xml><?xml version="1.0" encoding="utf-8"?>
 <p:sld xmlns:a="http://schemas.openxmlformats.org/drawingml/2006/main" xmlns:r="http://schemas.openxmlformats.org/officeDocument/2006/relationships" xmlns:p="http://schemas.openxmlformats.org/presentationml/2006/main">
   <p:cSld>
     <p:spTree>
@@ -7028,7 +7459,7 @@
 </p:sld>
 </file>
 
-<file path=ppt/slides/slide12.xml><?xml version="1.0" encoding="utf-8"?>
+<file path=ppt/slides/slide13.xml><?xml version="1.0" encoding="utf-8"?>
 <p:sld xmlns:a="http://schemas.openxmlformats.org/drawingml/2006/main" xmlns:r="http://schemas.openxmlformats.org/officeDocument/2006/relationships" xmlns:p="http://schemas.openxmlformats.org/presentationml/2006/main">
   <p:cSld>
     <p:spTree>
@@ -7642,7 +8073,7 @@
 </p:sld>
 </file>
 
-<file path=ppt/slides/slide13.xml><?xml version="1.0" encoding="utf-8"?>
+<file path=ppt/slides/slide14.xml><?xml version="1.0" encoding="utf-8"?>
 <p:sld xmlns:a="http://schemas.openxmlformats.org/drawingml/2006/main" xmlns:r="http://schemas.openxmlformats.org/officeDocument/2006/relationships" xmlns:p="http://schemas.openxmlformats.org/presentationml/2006/main">
   <p:cSld>
     <p:spTree>
@@ -8399,7 +8830,7 @@
 </p:sld>
 </file>
 
-<file path=ppt/slides/slide14.xml><?xml version="1.0" encoding="utf-8"?>
+<file path=ppt/slides/slide15.xml><?xml version="1.0" encoding="utf-8"?>
 <p:sld xmlns:a="http://schemas.openxmlformats.org/drawingml/2006/main" xmlns:r="http://schemas.openxmlformats.org/officeDocument/2006/relationships" xmlns:p="http://schemas.openxmlformats.org/presentationml/2006/main">
   <p:cSld>
     <p:spTree>
@@ -9178,7 +9609,7 @@
 </p:sld>
 </file>
 
-<file path=ppt/slides/slide15.xml><?xml version="1.0" encoding="utf-8"?>
+<file path=ppt/slides/slide16.xml><?xml version="1.0" encoding="utf-8"?>
 <p:sld xmlns:a="http://schemas.openxmlformats.org/drawingml/2006/main" xmlns:r="http://schemas.openxmlformats.org/officeDocument/2006/relationships" xmlns:p="http://schemas.openxmlformats.org/presentationml/2006/main">
   <p:cSld>
     <p:spTree>
@@ -10581,15 +11012,7 @@
           <a:p>
             <a:r>
               <a:rPr lang="pt-BR" b="1" dirty="0"/>
-              <a:t>Exemplos de Operadores Bit-</a:t>
-            </a:r>
-            <a:r>
-              <a:rPr lang="pt-BR" b="1" dirty="0" err="1"/>
-              <a:t>Wise</a:t>
-            </a:r>
-            <a:r>
-              <a:rPr lang="pt-BR" b="1" dirty="0"/>
-              <a:t>: operações bit-a-bit</a:t>
+              <a:t>Vantagens</a:t>
             </a:r>
             <a:endParaRPr lang="pt-BR" dirty="0"/>
           </a:p>
@@ -10614,65 +11037,54 @@
         <p:spPr/>
         <p:txBody>
           <a:bodyPr>
-            <a:normAutofit/>
+            <a:normAutofit lnSpcReduction="10000"/>
           </a:bodyPr>
           <a:lstStyle/>
           <a:p>
             <a:r>
               <a:rPr lang="pt-BR" sz="2800" dirty="0"/>
-              <a:t>&amp; = “e” (</a:t>
+              <a:t>Um única Thread no servidor pode atender vários clientes</a:t>
+            </a:r>
+          </a:p>
+          <a:p>
+            <a:r>
+              <a:rPr lang="pt-BR" sz="2800" dirty="0"/>
+              <a:t>Com um </a:t>
             </a:r>
             <a:r>
               <a:rPr lang="pt-BR" sz="2800" dirty="0" err="1"/>
-              <a:t>and</a:t>
+              <a:t>Selector</a:t>
             </a:r>
             <a:r>
               <a:rPr lang="pt-BR" sz="2800" dirty="0"/>
-              <a:t>) bit-</a:t>
+              <a:t>, apenas os clientes que enviaram dados serão selecionados</a:t>
+            </a:r>
+          </a:p>
+          <a:p>
+            <a:r>
+              <a:rPr lang="pt-BR" sz="2800" dirty="0"/>
+              <a:t>Isto evita de bloquear a Thread esperando por uma </a:t>
             </a:r>
             <a:r>
               <a:rPr lang="pt-BR" sz="2800" dirty="0" err="1"/>
-              <a:t>wise</a:t>
-            </a:r>
-            <a:endParaRPr lang="pt-BR" sz="2800" dirty="0"/>
-          </a:p>
-          <a:p>
+              <a:t>msg</a:t>
+            </a:r>
             <a:r>
               <a:rPr lang="pt-BR" sz="2800" dirty="0"/>
-              <a:t>| = “ou” (</a:t>
-            </a:r>
-            <a:r>
-              <a:rPr lang="pt-BR" sz="2800" dirty="0" err="1"/>
-              <a:t>or</a:t>
-            </a:r>
+              <a:t> de um cliente que pode demorar a chegar</a:t>
+            </a:r>
+          </a:p>
+          <a:p>
             <a:r>
               <a:rPr lang="pt-BR" sz="2800" dirty="0"/>
-              <a:t>) bit-</a:t>
-            </a:r>
-            <a:r>
-              <a:rPr lang="pt-BR" sz="2800" dirty="0" err="1"/>
-              <a:t>wise</a:t>
-            </a:r>
-            <a:endParaRPr lang="pt-BR" sz="2800" dirty="0"/>
+              <a:t>O total de Threads que o SO pode executar é limitado, criar uma Thread para cada cliente em um ambiente com muitos clientes é inviável</a:t>
+            </a:r>
           </a:p>
           <a:p>
             <a:r>
               <a:rPr lang="pt-BR" sz="2800" dirty="0"/>
-              <a:t>~ = “não” (</a:t>
-            </a:r>
-            <a:r>
-              <a:rPr lang="pt-BR" sz="2800" dirty="0" err="1"/>
-              <a:t>not</a:t>
-            </a:r>
-            <a:r>
-              <a:rPr lang="pt-BR" sz="2800" dirty="0"/>
-              <a:t>) bit-</a:t>
-            </a:r>
-            <a:r>
-              <a:rPr lang="pt-BR" sz="2800" dirty="0" err="1"/>
-              <a:t>wise</a:t>
-            </a:r>
-            <a:endParaRPr lang="pt-BR" sz="2800" dirty="0"/>
+              <a:t>Menos Threads indica menos consumo de memória: cada Thread tem seu próprio espaço de memória</a:t>
+            </a:r>
           </a:p>
         </p:txBody>
       </p:sp>
@@ -10680,6 +11092,492 @@
     <p:extLst>
       <p:ext uri="{BB962C8B-B14F-4D97-AF65-F5344CB8AC3E}">
         <p14:creationId xmlns:p14="http://schemas.microsoft.com/office/powerpoint/2010/main" val="3764705612"/>
+      </p:ext>
+    </p:extLst>
+  </p:cSld>
+  <p:clrMapOvr>
+    <a:masterClrMapping/>
+  </p:clrMapOvr>
+  <p:timing>
+    <p:tnLst>
+      <p:par>
+        <p:cTn id="1" dur="indefinite" restart="never" nodeType="tmRoot">
+          <p:childTnLst>
+            <p:seq concurrent="1" nextAc="seek">
+              <p:cTn id="2" dur="indefinite" nodeType="mainSeq">
+                <p:childTnLst>
+                  <p:par>
+                    <p:cTn id="3" fill="hold">
+                      <p:stCondLst>
+                        <p:cond delay="indefinite"/>
+                      </p:stCondLst>
+                      <p:childTnLst>
+                        <p:par>
+                          <p:cTn id="4" fill="hold">
+                            <p:stCondLst>
+                              <p:cond delay="0"/>
+                            </p:stCondLst>
+                            <p:childTnLst>
+                              <p:par>
+                                <p:cTn id="5" presetID="9" presetClass="entr" presetSubtype="0" fill="hold" grpId="0" nodeType="clickEffect">
+                                  <p:stCondLst>
+                                    <p:cond delay="0"/>
+                                  </p:stCondLst>
+                                  <p:childTnLst>
+                                    <p:set>
+                                      <p:cBhvr>
+                                        <p:cTn id="6" dur="1" fill="hold">
+                                          <p:stCondLst>
+                                            <p:cond delay="0"/>
+                                          </p:stCondLst>
+                                        </p:cTn>
+                                        <p:tgtEl>
+                                          <p:spTgt spid="3">
+                                            <p:txEl>
+                                              <p:pRg st="0" end="0"/>
+                                            </p:txEl>
+                                          </p:spTgt>
+                                        </p:tgtEl>
+                                        <p:attrNameLst>
+                                          <p:attrName>style.visibility</p:attrName>
+                                        </p:attrNameLst>
+                                      </p:cBhvr>
+                                      <p:to>
+                                        <p:strVal val="visible"/>
+                                      </p:to>
+                                    </p:set>
+                                    <p:animEffect transition="in" filter="dissolve">
+                                      <p:cBhvr>
+                                        <p:cTn id="7" dur="500"/>
+                                        <p:tgtEl>
+                                          <p:spTgt spid="3">
+                                            <p:txEl>
+                                              <p:pRg st="0" end="0"/>
+                                            </p:txEl>
+                                          </p:spTgt>
+                                        </p:tgtEl>
+                                      </p:cBhvr>
+                                    </p:animEffect>
+                                  </p:childTnLst>
+                                </p:cTn>
+                              </p:par>
+                            </p:childTnLst>
+                          </p:cTn>
+                        </p:par>
+                      </p:childTnLst>
+                    </p:cTn>
+                  </p:par>
+                  <p:par>
+                    <p:cTn id="8" fill="hold">
+                      <p:stCondLst>
+                        <p:cond delay="indefinite"/>
+                      </p:stCondLst>
+                      <p:childTnLst>
+                        <p:par>
+                          <p:cTn id="9" fill="hold">
+                            <p:stCondLst>
+                              <p:cond delay="0"/>
+                            </p:stCondLst>
+                            <p:childTnLst>
+                              <p:par>
+                                <p:cTn id="10" presetID="9" presetClass="entr" presetSubtype="0" fill="hold" grpId="0" nodeType="clickEffect">
+                                  <p:stCondLst>
+                                    <p:cond delay="0"/>
+                                  </p:stCondLst>
+                                  <p:childTnLst>
+                                    <p:set>
+                                      <p:cBhvr>
+                                        <p:cTn id="11" dur="1" fill="hold">
+                                          <p:stCondLst>
+                                            <p:cond delay="0"/>
+                                          </p:stCondLst>
+                                        </p:cTn>
+                                        <p:tgtEl>
+                                          <p:spTgt spid="3">
+                                            <p:txEl>
+                                              <p:pRg st="1" end="1"/>
+                                            </p:txEl>
+                                          </p:spTgt>
+                                        </p:tgtEl>
+                                        <p:attrNameLst>
+                                          <p:attrName>style.visibility</p:attrName>
+                                        </p:attrNameLst>
+                                      </p:cBhvr>
+                                      <p:to>
+                                        <p:strVal val="visible"/>
+                                      </p:to>
+                                    </p:set>
+                                    <p:animEffect transition="in" filter="dissolve">
+                                      <p:cBhvr>
+                                        <p:cTn id="12" dur="500"/>
+                                        <p:tgtEl>
+                                          <p:spTgt spid="3">
+                                            <p:txEl>
+                                              <p:pRg st="1" end="1"/>
+                                            </p:txEl>
+                                          </p:spTgt>
+                                        </p:tgtEl>
+                                      </p:cBhvr>
+                                    </p:animEffect>
+                                  </p:childTnLst>
+                                </p:cTn>
+                              </p:par>
+                            </p:childTnLst>
+                          </p:cTn>
+                        </p:par>
+                      </p:childTnLst>
+                    </p:cTn>
+                  </p:par>
+                  <p:par>
+                    <p:cTn id="13" fill="hold">
+                      <p:stCondLst>
+                        <p:cond delay="indefinite"/>
+                      </p:stCondLst>
+                      <p:childTnLst>
+                        <p:par>
+                          <p:cTn id="14" fill="hold">
+                            <p:stCondLst>
+                              <p:cond delay="0"/>
+                            </p:stCondLst>
+                            <p:childTnLst>
+                              <p:par>
+                                <p:cTn id="15" presetID="9" presetClass="entr" presetSubtype="0" fill="hold" grpId="0" nodeType="clickEffect">
+                                  <p:stCondLst>
+                                    <p:cond delay="0"/>
+                                  </p:stCondLst>
+                                  <p:childTnLst>
+                                    <p:set>
+                                      <p:cBhvr>
+                                        <p:cTn id="16" dur="1" fill="hold">
+                                          <p:stCondLst>
+                                            <p:cond delay="0"/>
+                                          </p:stCondLst>
+                                        </p:cTn>
+                                        <p:tgtEl>
+                                          <p:spTgt spid="3">
+                                            <p:txEl>
+                                              <p:pRg st="2" end="2"/>
+                                            </p:txEl>
+                                          </p:spTgt>
+                                        </p:tgtEl>
+                                        <p:attrNameLst>
+                                          <p:attrName>style.visibility</p:attrName>
+                                        </p:attrNameLst>
+                                      </p:cBhvr>
+                                      <p:to>
+                                        <p:strVal val="visible"/>
+                                      </p:to>
+                                    </p:set>
+                                    <p:animEffect transition="in" filter="dissolve">
+                                      <p:cBhvr>
+                                        <p:cTn id="17" dur="500"/>
+                                        <p:tgtEl>
+                                          <p:spTgt spid="3">
+                                            <p:txEl>
+                                              <p:pRg st="2" end="2"/>
+                                            </p:txEl>
+                                          </p:spTgt>
+                                        </p:tgtEl>
+                                      </p:cBhvr>
+                                    </p:animEffect>
+                                  </p:childTnLst>
+                                </p:cTn>
+                              </p:par>
+                            </p:childTnLst>
+                          </p:cTn>
+                        </p:par>
+                      </p:childTnLst>
+                    </p:cTn>
+                  </p:par>
+                  <p:par>
+                    <p:cTn id="18" fill="hold">
+                      <p:stCondLst>
+                        <p:cond delay="indefinite"/>
+                      </p:stCondLst>
+                      <p:childTnLst>
+                        <p:par>
+                          <p:cTn id="19" fill="hold">
+                            <p:stCondLst>
+                              <p:cond delay="0"/>
+                            </p:stCondLst>
+                            <p:childTnLst>
+                              <p:par>
+                                <p:cTn id="20" presetID="9" presetClass="entr" presetSubtype="0" fill="hold" grpId="0" nodeType="clickEffect">
+                                  <p:stCondLst>
+                                    <p:cond delay="0"/>
+                                  </p:stCondLst>
+                                  <p:childTnLst>
+                                    <p:set>
+                                      <p:cBhvr>
+                                        <p:cTn id="21" dur="1" fill="hold">
+                                          <p:stCondLst>
+                                            <p:cond delay="0"/>
+                                          </p:stCondLst>
+                                        </p:cTn>
+                                        <p:tgtEl>
+                                          <p:spTgt spid="3">
+                                            <p:txEl>
+                                              <p:pRg st="3" end="3"/>
+                                            </p:txEl>
+                                          </p:spTgt>
+                                        </p:tgtEl>
+                                        <p:attrNameLst>
+                                          <p:attrName>style.visibility</p:attrName>
+                                        </p:attrNameLst>
+                                      </p:cBhvr>
+                                      <p:to>
+                                        <p:strVal val="visible"/>
+                                      </p:to>
+                                    </p:set>
+                                    <p:animEffect transition="in" filter="dissolve">
+                                      <p:cBhvr>
+                                        <p:cTn id="22" dur="500"/>
+                                        <p:tgtEl>
+                                          <p:spTgt spid="3">
+                                            <p:txEl>
+                                              <p:pRg st="3" end="3"/>
+                                            </p:txEl>
+                                          </p:spTgt>
+                                        </p:tgtEl>
+                                      </p:cBhvr>
+                                    </p:animEffect>
+                                  </p:childTnLst>
+                                </p:cTn>
+                              </p:par>
+                            </p:childTnLst>
+                          </p:cTn>
+                        </p:par>
+                      </p:childTnLst>
+                    </p:cTn>
+                  </p:par>
+                  <p:par>
+                    <p:cTn id="23" fill="hold">
+                      <p:stCondLst>
+                        <p:cond delay="indefinite"/>
+                      </p:stCondLst>
+                      <p:childTnLst>
+                        <p:par>
+                          <p:cTn id="24" fill="hold">
+                            <p:stCondLst>
+                              <p:cond delay="0"/>
+                            </p:stCondLst>
+                            <p:childTnLst>
+                              <p:par>
+                                <p:cTn id="25" presetID="9" presetClass="entr" presetSubtype="0" fill="hold" grpId="0" nodeType="clickEffect">
+                                  <p:stCondLst>
+                                    <p:cond delay="0"/>
+                                  </p:stCondLst>
+                                  <p:childTnLst>
+                                    <p:set>
+                                      <p:cBhvr>
+                                        <p:cTn id="26" dur="1" fill="hold">
+                                          <p:stCondLst>
+                                            <p:cond delay="0"/>
+                                          </p:stCondLst>
+                                        </p:cTn>
+                                        <p:tgtEl>
+                                          <p:spTgt spid="3">
+                                            <p:txEl>
+                                              <p:pRg st="4" end="4"/>
+                                            </p:txEl>
+                                          </p:spTgt>
+                                        </p:tgtEl>
+                                        <p:attrNameLst>
+                                          <p:attrName>style.visibility</p:attrName>
+                                        </p:attrNameLst>
+                                      </p:cBhvr>
+                                      <p:to>
+                                        <p:strVal val="visible"/>
+                                      </p:to>
+                                    </p:set>
+                                    <p:animEffect transition="in" filter="dissolve">
+                                      <p:cBhvr>
+                                        <p:cTn id="27" dur="500"/>
+                                        <p:tgtEl>
+                                          <p:spTgt spid="3">
+                                            <p:txEl>
+                                              <p:pRg st="4" end="4"/>
+                                            </p:txEl>
+                                          </p:spTgt>
+                                        </p:tgtEl>
+                                      </p:cBhvr>
+                                    </p:animEffect>
+                                  </p:childTnLst>
+                                </p:cTn>
+                              </p:par>
+                            </p:childTnLst>
+                          </p:cTn>
+                        </p:par>
+                      </p:childTnLst>
+                    </p:cTn>
+                  </p:par>
+                </p:childTnLst>
+              </p:cTn>
+              <p:prevCondLst>
+                <p:cond evt="onPrev" delay="0">
+                  <p:tgtEl>
+                    <p:sldTgt/>
+                  </p:tgtEl>
+                </p:cond>
+              </p:prevCondLst>
+              <p:nextCondLst>
+                <p:cond evt="onNext" delay="0">
+                  <p:tgtEl>
+                    <p:sldTgt/>
+                  </p:tgtEl>
+                </p:cond>
+              </p:nextCondLst>
+            </p:seq>
+          </p:childTnLst>
+        </p:cTn>
+      </p:par>
+    </p:tnLst>
+    <p:bldLst>
+      <p:bldP spid="3" grpId="0" build="p"/>
+    </p:bldLst>
+  </p:timing>
+</p:sld>
+</file>
+
+<file path=ppt/slides/slide4.xml><?xml version="1.0" encoding="utf-8"?>
+<p:sld xmlns:a="http://schemas.openxmlformats.org/drawingml/2006/main" xmlns:r="http://schemas.openxmlformats.org/officeDocument/2006/relationships" xmlns:p="http://schemas.openxmlformats.org/presentationml/2006/main">
+  <p:cSld>
+    <p:spTree>
+      <p:nvGrpSpPr>
+        <p:cNvPr id="1" name=""/>
+        <p:cNvGrpSpPr/>
+        <p:nvPr/>
+      </p:nvGrpSpPr>
+      <p:grpSpPr>
+        <a:xfrm>
+          <a:off x="0" y="0"/>
+          <a:ext cx="0" cy="0"/>
+          <a:chOff x="0" y="0"/>
+          <a:chExt cx="0" cy="0"/>
+        </a:xfrm>
+      </p:grpSpPr>
+      <p:sp>
+        <p:nvSpPr>
+          <p:cNvPr id="2" name="Title 1">
+            <a:extLst>
+              <a:ext uri="{FF2B5EF4-FFF2-40B4-BE49-F238E27FC236}">
+                <a16:creationId xmlns:a16="http://schemas.microsoft.com/office/drawing/2014/main" id="{58204B45-BA2F-544A-ADBD-2B584480C63E}"/>
+              </a:ext>
+            </a:extLst>
+          </p:cNvPr>
+          <p:cNvSpPr>
+            <a:spLocks noGrp="1"/>
+          </p:cNvSpPr>
+          <p:nvPr>
+            <p:ph type="title"/>
+          </p:nvPr>
+        </p:nvSpPr>
+        <p:spPr/>
+        <p:txBody>
+          <a:bodyPr/>
+          <a:lstStyle/>
+          <a:p>
+            <a:r>
+              <a:rPr lang="pt-BR" b="1" dirty="0"/>
+              <a:t>Exemplos de Operadores Bit-</a:t>
+            </a:r>
+            <a:r>
+              <a:rPr lang="pt-BR" b="1" dirty="0" err="1"/>
+              <a:t>Wise</a:t>
+            </a:r>
+            <a:r>
+              <a:rPr lang="pt-BR" b="1" dirty="0"/>
+              <a:t>: operações bit-a-bit</a:t>
+            </a:r>
+            <a:endParaRPr lang="pt-BR" dirty="0"/>
+          </a:p>
+        </p:txBody>
+      </p:sp>
+      <p:sp>
+        <p:nvSpPr>
+          <p:cNvPr id="3" name="Content Placeholder 2">
+            <a:extLst>
+              <a:ext uri="{FF2B5EF4-FFF2-40B4-BE49-F238E27FC236}">
+                <a16:creationId xmlns:a16="http://schemas.microsoft.com/office/drawing/2014/main" id="{C9044F89-E3C1-E349-B0DE-0B932821234C}"/>
+              </a:ext>
+            </a:extLst>
+          </p:cNvPr>
+          <p:cNvSpPr>
+            <a:spLocks noGrp="1"/>
+          </p:cNvSpPr>
+          <p:nvPr>
+            <p:ph idx="1"/>
+          </p:nvPr>
+        </p:nvSpPr>
+        <p:spPr/>
+        <p:txBody>
+          <a:bodyPr>
+            <a:normAutofit/>
+          </a:bodyPr>
+          <a:lstStyle/>
+          <a:p>
+            <a:r>
+              <a:rPr lang="pt-BR" sz="2800" dirty="0"/>
+              <a:t>&amp; = “e” (</a:t>
+            </a:r>
+            <a:r>
+              <a:rPr lang="pt-BR" sz="2800" dirty="0" err="1"/>
+              <a:t>and</a:t>
+            </a:r>
+            <a:r>
+              <a:rPr lang="pt-BR" sz="2800" dirty="0"/>
+              <a:t>) bit-</a:t>
+            </a:r>
+            <a:r>
+              <a:rPr lang="pt-BR" sz="2800" dirty="0" err="1"/>
+              <a:t>wise</a:t>
+            </a:r>
+            <a:endParaRPr lang="pt-BR" sz="2800" dirty="0"/>
+          </a:p>
+          <a:p>
+            <a:r>
+              <a:rPr lang="pt-BR" sz="2800" dirty="0"/>
+              <a:t>| = “ou” (</a:t>
+            </a:r>
+            <a:r>
+              <a:rPr lang="pt-BR" sz="2800" dirty="0" err="1"/>
+              <a:t>or</a:t>
+            </a:r>
+            <a:r>
+              <a:rPr lang="pt-BR" sz="2800" dirty="0"/>
+              <a:t>) bit-</a:t>
+            </a:r>
+            <a:r>
+              <a:rPr lang="pt-BR" sz="2800" dirty="0" err="1"/>
+              <a:t>wise</a:t>
+            </a:r>
+            <a:endParaRPr lang="pt-BR" sz="2800" dirty="0"/>
+          </a:p>
+          <a:p>
+            <a:r>
+              <a:rPr lang="pt-BR" sz="2800" dirty="0"/>
+              <a:t>~ = “não” (</a:t>
+            </a:r>
+            <a:r>
+              <a:rPr lang="pt-BR" sz="2800" dirty="0" err="1"/>
+              <a:t>not</a:t>
+            </a:r>
+            <a:r>
+              <a:rPr lang="pt-BR" sz="2800" dirty="0"/>
+              <a:t>) bit-</a:t>
+            </a:r>
+            <a:r>
+              <a:rPr lang="pt-BR" sz="2800" dirty="0" err="1"/>
+              <a:t>wise</a:t>
+            </a:r>
+            <a:endParaRPr lang="pt-BR" sz="2800" dirty="0"/>
+          </a:p>
+        </p:txBody>
+      </p:sp>
+    </p:spTree>
+    <p:extLst>
+      <p:ext uri="{BB962C8B-B14F-4D97-AF65-F5344CB8AC3E}">
+        <p14:creationId xmlns:p14="http://schemas.microsoft.com/office/powerpoint/2010/main" val="4192427374"/>
       </p:ext>
     </p:extLst>
   </p:cSld>
@@ -10905,7 +11803,7 @@
 </p:sld>
 </file>
 
-<file path=ppt/slides/slide4.xml><?xml version="1.0" encoding="utf-8"?>
+<file path=ppt/slides/slide5.xml><?xml version="1.0" encoding="utf-8"?>
 <p:sld xmlns:a="http://schemas.openxmlformats.org/drawingml/2006/main" xmlns:r="http://schemas.openxmlformats.org/officeDocument/2006/relationships" xmlns:p="http://schemas.openxmlformats.org/presentationml/2006/main">
   <p:cSld>
     <p:spTree>
@@ -11291,7 +12189,7 @@
 </p:sld>
 </file>
 
-<file path=ppt/slides/slide5.xml><?xml version="1.0" encoding="utf-8"?>
+<file path=ppt/slides/slide6.xml><?xml version="1.0" encoding="utf-8"?>
 <p:sld xmlns:a="http://schemas.openxmlformats.org/drawingml/2006/main" xmlns:r="http://schemas.openxmlformats.org/officeDocument/2006/relationships" xmlns:p="http://schemas.openxmlformats.org/presentationml/2006/main">
   <p:cSld>
     <p:spTree>
@@ -12480,7 +13378,7 @@
 </p:sld>
 </file>
 
-<file path=ppt/slides/slide6.xml><?xml version="1.0" encoding="utf-8"?>
+<file path=ppt/slides/slide7.xml><?xml version="1.0" encoding="utf-8"?>
 <p:sld xmlns:a="http://schemas.openxmlformats.org/drawingml/2006/main" xmlns:r="http://schemas.openxmlformats.org/officeDocument/2006/relationships" xmlns:p="http://schemas.openxmlformats.org/presentationml/2006/main">
   <p:cSld>
     <p:spTree>
@@ -12900,7 +13798,7 @@
 </p:sld>
 </file>
 
-<file path=ppt/slides/slide7.xml><?xml version="1.0" encoding="utf-8"?>
+<file path=ppt/slides/slide8.xml><?xml version="1.0" encoding="utf-8"?>
 <p:sld xmlns:a="http://schemas.openxmlformats.org/drawingml/2006/main" xmlns:r="http://schemas.openxmlformats.org/officeDocument/2006/relationships" xmlns:p="http://schemas.openxmlformats.org/presentationml/2006/main">
   <p:cSld>
     <p:spTree>
@@ -13577,7 +14475,7 @@
 </p:sld>
 </file>
 
-<file path=ppt/slides/slide8.xml><?xml version="1.0" encoding="utf-8"?>
+<file path=ppt/slides/slide9.xml><?xml version="1.0" encoding="utf-8"?>
 <p:sld xmlns:a="http://schemas.openxmlformats.org/drawingml/2006/main" xmlns:r="http://schemas.openxmlformats.org/officeDocument/2006/relationships" xmlns:p="http://schemas.openxmlformats.org/presentationml/2006/main">
   <p:cSld>
     <p:spTree>
@@ -13889,436 +14787,6 @@
       <p:bldP spid="3" grpId="1" uiExpand="1" build="p"/>
     </p:bldLst>
   </p:timing>
-</p:sld>
-</file>
-
-<file path=ppt/slides/slide9.xml><?xml version="1.0" encoding="utf-8"?>
-<p:sld xmlns:a="http://schemas.openxmlformats.org/drawingml/2006/main" xmlns:r="http://schemas.openxmlformats.org/officeDocument/2006/relationships" xmlns:p="http://schemas.openxmlformats.org/presentationml/2006/main">
-  <p:cSld>
-    <p:spTree>
-      <p:nvGrpSpPr>
-        <p:cNvPr id="1" name=""/>
-        <p:cNvGrpSpPr/>
-        <p:nvPr/>
-      </p:nvGrpSpPr>
-      <p:grpSpPr>
-        <a:xfrm>
-          <a:off x="0" y="0"/>
-          <a:ext cx="0" cy="0"/>
-          <a:chOff x="0" y="0"/>
-          <a:chExt cx="0" cy="0"/>
-        </a:xfrm>
-      </p:grpSpPr>
-      <p:sp>
-        <p:nvSpPr>
-          <p:cNvPr id="2" name="Title 1">
-            <a:extLst>
-              <a:ext uri="{FF2B5EF4-FFF2-40B4-BE49-F238E27FC236}">
-                <a16:creationId xmlns:a16="http://schemas.microsoft.com/office/drawing/2014/main" id="{58204B45-BA2F-544A-ADBD-2B584480C63E}"/>
-              </a:ext>
-            </a:extLst>
-          </p:cNvPr>
-          <p:cNvSpPr>
-            <a:spLocks noGrp="1"/>
-          </p:cNvSpPr>
-          <p:nvPr>
-            <p:ph type="title"/>
-          </p:nvPr>
-        </p:nvSpPr>
-        <p:spPr/>
-        <p:txBody>
-          <a:bodyPr/>
-          <a:lstStyle/>
-          <a:p>
-            <a:r>
-              <a:rPr lang="pt-BR" b="1" dirty="0"/>
-              <a:t>Classe </a:t>
-            </a:r>
-            <a:r>
-              <a:rPr lang="pt-BR" b="1" dirty="0" err="1"/>
-              <a:t>ByteBuffer</a:t>
-            </a:r>
-            <a:endParaRPr lang="pt-BR" dirty="0"/>
-          </a:p>
-        </p:txBody>
-      </p:sp>
-      <p:sp>
-        <p:nvSpPr>
-          <p:cNvPr id="3" name="Content Placeholder 2">
-            <a:extLst>
-              <a:ext uri="{FF2B5EF4-FFF2-40B4-BE49-F238E27FC236}">
-                <a16:creationId xmlns:a16="http://schemas.microsoft.com/office/drawing/2014/main" id="{C9044F89-E3C1-E349-B0DE-0B932821234C}"/>
-              </a:ext>
-            </a:extLst>
-          </p:cNvPr>
-          <p:cNvSpPr>
-            <a:spLocks noGrp="1"/>
-          </p:cNvSpPr>
-          <p:nvPr>
-            <p:ph idx="1"/>
-          </p:nvPr>
-        </p:nvSpPr>
-        <p:spPr>
-          <a:xfrm>
-            <a:off x="715617" y="2133600"/>
-            <a:ext cx="10788995" cy="1581150"/>
-          </a:xfrm>
-        </p:spPr>
-        <p:txBody>
-          <a:bodyPr>
-            <a:normAutofit/>
-          </a:bodyPr>
-          <a:lstStyle/>
-          <a:p>
-            <a:r>
-              <a:rPr lang="pt-BR" sz="2800" dirty="0"/>
-              <a:t>Eles iniciam vazios e possuem um ponteiro indicando a posição atual</a:t>
-            </a:r>
-          </a:p>
-        </p:txBody>
-      </p:sp>
-      <p:grpSp>
-        <p:nvGrpSpPr>
-          <p:cNvPr id="9" name="Group 8">
-            <a:extLst>
-              <a:ext uri="{FF2B5EF4-FFF2-40B4-BE49-F238E27FC236}">
-                <a16:creationId xmlns:a16="http://schemas.microsoft.com/office/drawing/2014/main" id="{5FE9113D-1442-4E48-956A-96FEDAA20CC2}"/>
-              </a:ext>
-            </a:extLst>
-          </p:cNvPr>
-          <p:cNvGrpSpPr/>
-          <p:nvPr/>
-        </p:nvGrpSpPr>
-        <p:grpSpPr>
-          <a:xfrm>
-            <a:off x="3238500" y="4210050"/>
-            <a:ext cx="4572000" cy="914400"/>
-            <a:chOff x="3238500" y="4210050"/>
-            <a:chExt cx="4572000" cy="914400"/>
-          </a:xfrm>
-        </p:grpSpPr>
-        <p:sp>
-          <p:nvSpPr>
-            <p:cNvPr id="4" name="Rectangle 3">
-              <a:extLst>
-                <a:ext uri="{FF2B5EF4-FFF2-40B4-BE49-F238E27FC236}">
-                  <a16:creationId xmlns:a16="http://schemas.microsoft.com/office/drawing/2014/main" id="{F15EA635-60EC-7B43-A400-C0B11A07569C}"/>
-                </a:ext>
-              </a:extLst>
-            </p:cNvPr>
-            <p:cNvSpPr/>
-            <p:nvPr/>
-          </p:nvSpPr>
-          <p:spPr>
-            <a:xfrm>
-              <a:off x="3238500" y="4210050"/>
-              <a:ext cx="914400" cy="914400"/>
-            </a:xfrm>
-            <a:prstGeom prst="rect">
-              <a:avLst/>
-            </a:prstGeom>
-            <a:solidFill>
-              <a:schemeClr val="bg1"/>
-            </a:solidFill>
-          </p:spPr>
-          <p:style>
-            <a:lnRef idx="2">
-              <a:schemeClr val="accent1">
-                <a:shade val="50000"/>
-              </a:schemeClr>
-            </a:lnRef>
-            <a:fillRef idx="1">
-              <a:schemeClr val="accent1"/>
-            </a:fillRef>
-            <a:effectRef idx="0">
-              <a:schemeClr val="accent1"/>
-            </a:effectRef>
-            <a:fontRef idx="minor">
-              <a:schemeClr val="lt1"/>
-            </a:fontRef>
-          </p:style>
-          <p:txBody>
-            <a:bodyPr rtlCol="0" anchor="ctr"/>
-            <a:lstStyle/>
-            <a:p>
-              <a:pPr algn="ctr"/>
-              <a:endParaRPr lang="pt-BR" sz="3200" b="1" dirty="0">
-                <a:solidFill>
-                  <a:schemeClr val="tx1"/>
-                </a:solidFill>
-              </a:endParaRPr>
-            </a:p>
-          </p:txBody>
-        </p:sp>
-        <p:sp>
-          <p:nvSpPr>
-            <p:cNvPr id="5" name="Rectangle 4">
-              <a:extLst>
-                <a:ext uri="{FF2B5EF4-FFF2-40B4-BE49-F238E27FC236}">
-                  <a16:creationId xmlns:a16="http://schemas.microsoft.com/office/drawing/2014/main" id="{5B2BEB55-D80A-0642-9204-4B755BD9B505}"/>
-                </a:ext>
-              </a:extLst>
-            </p:cNvPr>
-            <p:cNvSpPr/>
-            <p:nvPr/>
-          </p:nvSpPr>
-          <p:spPr>
-            <a:xfrm>
-              <a:off x="4152900" y="4210050"/>
-              <a:ext cx="914400" cy="914400"/>
-            </a:xfrm>
-            <a:prstGeom prst="rect">
-              <a:avLst/>
-            </a:prstGeom>
-            <a:solidFill>
-              <a:schemeClr val="bg1"/>
-            </a:solidFill>
-          </p:spPr>
-          <p:style>
-            <a:lnRef idx="2">
-              <a:schemeClr val="accent1">
-                <a:shade val="50000"/>
-              </a:schemeClr>
-            </a:lnRef>
-            <a:fillRef idx="1">
-              <a:schemeClr val="accent1"/>
-            </a:fillRef>
-            <a:effectRef idx="0">
-              <a:schemeClr val="accent1"/>
-            </a:effectRef>
-            <a:fontRef idx="minor">
-              <a:schemeClr val="lt1"/>
-            </a:fontRef>
-          </p:style>
-          <p:txBody>
-            <a:bodyPr rtlCol="0" anchor="ctr"/>
-            <a:lstStyle/>
-            <a:p>
-              <a:pPr algn="ctr"/>
-              <a:endParaRPr lang="pt-BR" sz="3200" b="1" dirty="0">
-                <a:solidFill>
-                  <a:schemeClr val="tx1"/>
-                </a:solidFill>
-              </a:endParaRPr>
-            </a:p>
-          </p:txBody>
-        </p:sp>
-        <p:sp>
-          <p:nvSpPr>
-            <p:cNvPr id="6" name="Rectangle 5">
-              <a:extLst>
-                <a:ext uri="{FF2B5EF4-FFF2-40B4-BE49-F238E27FC236}">
-                  <a16:creationId xmlns:a16="http://schemas.microsoft.com/office/drawing/2014/main" id="{6009B97A-E0A2-CB40-A150-6DCDC648A6F2}"/>
-                </a:ext>
-              </a:extLst>
-            </p:cNvPr>
-            <p:cNvSpPr/>
-            <p:nvPr/>
-          </p:nvSpPr>
-          <p:spPr>
-            <a:xfrm>
-              <a:off x="5067300" y="4210050"/>
-              <a:ext cx="914400" cy="914400"/>
-            </a:xfrm>
-            <a:prstGeom prst="rect">
-              <a:avLst/>
-            </a:prstGeom>
-            <a:solidFill>
-              <a:schemeClr val="bg1"/>
-            </a:solidFill>
-          </p:spPr>
-          <p:style>
-            <a:lnRef idx="2">
-              <a:schemeClr val="accent1">
-                <a:shade val="50000"/>
-              </a:schemeClr>
-            </a:lnRef>
-            <a:fillRef idx="1">
-              <a:schemeClr val="accent1"/>
-            </a:fillRef>
-            <a:effectRef idx="0">
-              <a:schemeClr val="accent1"/>
-            </a:effectRef>
-            <a:fontRef idx="minor">
-              <a:schemeClr val="lt1"/>
-            </a:fontRef>
-          </p:style>
-          <p:txBody>
-            <a:bodyPr rtlCol="0" anchor="ctr"/>
-            <a:lstStyle/>
-            <a:p>
-              <a:pPr algn="ctr"/>
-              <a:endParaRPr lang="pt-BR" sz="3200" b="1" dirty="0">
-                <a:solidFill>
-                  <a:schemeClr val="tx1"/>
-                </a:solidFill>
-              </a:endParaRPr>
-            </a:p>
-          </p:txBody>
-        </p:sp>
-        <p:sp>
-          <p:nvSpPr>
-            <p:cNvPr id="7" name="Rectangle 6">
-              <a:extLst>
-                <a:ext uri="{FF2B5EF4-FFF2-40B4-BE49-F238E27FC236}">
-                  <a16:creationId xmlns:a16="http://schemas.microsoft.com/office/drawing/2014/main" id="{BC6BA2EC-C745-8C4B-982C-01ED348F61F2}"/>
-                </a:ext>
-              </a:extLst>
-            </p:cNvPr>
-            <p:cNvSpPr/>
-            <p:nvPr/>
-          </p:nvSpPr>
-          <p:spPr>
-            <a:xfrm>
-              <a:off x="5981700" y="4210050"/>
-              <a:ext cx="914400" cy="914400"/>
-            </a:xfrm>
-            <a:prstGeom prst="rect">
-              <a:avLst/>
-            </a:prstGeom>
-            <a:solidFill>
-              <a:schemeClr val="bg1"/>
-            </a:solidFill>
-          </p:spPr>
-          <p:style>
-            <a:lnRef idx="2">
-              <a:schemeClr val="accent1">
-                <a:shade val="50000"/>
-              </a:schemeClr>
-            </a:lnRef>
-            <a:fillRef idx="1">
-              <a:schemeClr val="accent1"/>
-            </a:fillRef>
-            <a:effectRef idx="0">
-              <a:schemeClr val="accent1"/>
-            </a:effectRef>
-            <a:fontRef idx="minor">
-              <a:schemeClr val="lt1"/>
-            </a:fontRef>
-          </p:style>
-          <p:txBody>
-            <a:bodyPr rtlCol="0" anchor="ctr"/>
-            <a:lstStyle/>
-            <a:p>
-              <a:pPr algn="ctr"/>
-              <a:endParaRPr lang="pt-BR" sz="3200" b="1" dirty="0">
-                <a:solidFill>
-                  <a:schemeClr val="tx1"/>
-                </a:solidFill>
-              </a:endParaRPr>
-            </a:p>
-          </p:txBody>
-        </p:sp>
-        <p:sp>
-          <p:nvSpPr>
-            <p:cNvPr id="8" name="Rectangle 7">
-              <a:extLst>
-                <a:ext uri="{FF2B5EF4-FFF2-40B4-BE49-F238E27FC236}">
-                  <a16:creationId xmlns:a16="http://schemas.microsoft.com/office/drawing/2014/main" id="{7E78FB44-1E7A-684B-831A-8B773C308356}"/>
-                </a:ext>
-              </a:extLst>
-            </p:cNvPr>
-            <p:cNvSpPr/>
-            <p:nvPr/>
-          </p:nvSpPr>
-          <p:spPr>
-            <a:xfrm>
-              <a:off x="6896100" y="4210050"/>
-              <a:ext cx="914400" cy="914400"/>
-            </a:xfrm>
-            <a:prstGeom prst="rect">
-              <a:avLst/>
-            </a:prstGeom>
-            <a:solidFill>
-              <a:schemeClr val="bg1"/>
-            </a:solidFill>
-          </p:spPr>
-          <p:style>
-            <a:lnRef idx="2">
-              <a:schemeClr val="accent1">
-                <a:shade val="50000"/>
-              </a:schemeClr>
-            </a:lnRef>
-            <a:fillRef idx="1">
-              <a:schemeClr val="accent1"/>
-            </a:fillRef>
-            <a:effectRef idx="0">
-              <a:schemeClr val="accent1"/>
-            </a:effectRef>
-            <a:fontRef idx="minor">
-              <a:schemeClr val="lt1"/>
-            </a:fontRef>
-          </p:style>
-          <p:txBody>
-            <a:bodyPr rtlCol="0" anchor="ctr"/>
-            <a:lstStyle/>
-            <a:p>
-              <a:pPr algn="ctr"/>
-              <a:endParaRPr lang="pt-BR" sz="3200" b="1" dirty="0">
-                <a:solidFill>
-                  <a:schemeClr val="tx1"/>
-                </a:solidFill>
-              </a:endParaRPr>
-            </a:p>
-          </p:txBody>
-        </p:sp>
-      </p:grpSp>
-      <p:sp>
-        <p:nvSpPr>
-          <p:cNvPr id="10" name="Right Arrow 9">
-            <a:extLst>
-              <a:ext uri="{FF2B5EF4-FFF2-40B4-BE49-F238E27FC236}">
-                <a16:creationId xmlns:a16="http://schemas.microsoft.com/office/drawing/2014/main" id="{F59C370B-AA76-7245-B3E8-D27ED258FF73}"/>
-              </a:ext>
-            </a:extLst>
-          </p:cNvPr>
-          <p:cNvSpPr/>
-          <p:nvPr/>
-        </p:nvSpPr>
-        <p:spPr>
-          <a:xfrm rot="16200000">
-            <a:off x="3295650" y="5514975"/>
-            <a:ext cx="819150" cy="285750"/>
-          </a:xfrm>
-          <a:prstGeom prst="rightArrow">
-            <a:avLst/>
-          </a:prstGeom>
-        </p:spPr>
-        <p:style>
-          <a:lnRef idx="2">
-            <a:schemeClr val="accent1">
-              <a:shade val="50000"/>
-            </a:schemeClr>
-          </a:lnRef>
-          <a:fillRef idx="1">
-            <a:schemeClr val="accent1"/>
-          </a:fillRef>
-          <a:effectRef idx="0">
-            <a:schemeClr val="accent1"/>
-          </a:effectRef>
-          <a:fontRef idx="minor">
-            <a:schemeClr val="lt1"/>
-          </a:fontRef>
-        </p:style>
-        <p:txBody>
-          <a:bodyPr rtlCol="0" anchor="ctr"/>
-          <a:lstStyle/>
-          <a:p>
-            <a:pPr algn="ctr"/>
-            <a:endParaRPr lang="pt-BR"/>
-          </a:p>
-        </p:txBody>
-      </p:sp>
-    </p:spTree>
-    <p:extLst>
-      <p:ext uri="{BB962C8B-B14F-4D97-AF65-F5344CB8AC3E}">
-        <p14:creationId xmlns:p14="http://schemas.microsoft.com/office/powerpoint/2010/main" val="3925802817"/>
-      </p:ext>
-    </p:extLst>
-  </p:cSld>
-  <p:clrMapOvr>
-    <a:masterClrMapping/>
-  </p:clrMapOvr>
 </p:sld>
 </file>
 

--- a/projects/01-socket-chat/1.3-non-blocking-socketchannel/non-blocking-chat.pptx
+++ b/projects/01-socket-chat/1.3-non-blocking-socketchannel/non-blocking-chat.pptx
@@ -297,7 +297,7 @@
           <a:p>
             <a:fld id="{9D1441F9-EC97-2D4F-BE7B-2F3A7CF96111}" type="datetimeFigureOut">
               <a:rPr lang="en-US" smtClean="0"/>
-              <a:t>4/10/19</a:t>
+              <a:t>4/16/19</a:t>
             </a:fld>
             <a:endParaRPr lang="en-US" dirty="0"/>
           </a:p>
@@ -564,7 +564,7 @@
           <a:p>
             <a:fld id="{9D1441F9-EC97-2D4F-BE7B-2F3A7CF96111}" type="datetimeFigureOut">
               <a:rPr lang="en-US" smtClean="0"/>
-              <a:t>4/10/19</a:t>
+              <a:t>4/16/19</a:t>
             </a:fld>
             <a:endParaRPr lang="en-US" dirty="0"/>
           </a:p>
@@ -795,7 +795,7 @@
           <a:p>
             <a:fld id="{9D1441F9-EC97-2D4F-BE7B-2F3A7CF96111}" type="datetimeFigureOut">
               <a:rPr lang="en-US" smtClean="0"/>
-              <a:t>4/10/19</a:t>
+              <a:t>4/16/19</a:t>
             </a:fld>
             <a:endParaRPr lang="en-US" dirty="0"/>
           </a:p>
@@ -1105,7 +1105,7 @@
           <a:p>
             <a:fld id="{9D1441F9-EC97-2D4F-BE7B-2F3A7CF96111}" type="datetimeFigureOut">
               <a:rPr lang="en-US" smtClean="0"/>
-              <a:t>4/10/19</a:t>
+              <a:t>4/16/19</a:t>
             </a:fld>
             <a:endParaRPr lang="en-US" dirty="0"/>
           </a:p>
@@ -1578,7 +1578,7 @@
           <a:p>
             <a:fld id="{9D1441F9-EC97-2D4F-BE7B-2F3A7CF96111}" type="datetimeFigureOut">
               <a:rPr lang="en-US" smtClean="0"/>
-              <a:t>4/10/19</a:t>
+              <a:t>4/16/19</a:t>
             </a:fld>
             <a:endParaRPr lang="en-US" dirty="0"/>
           </a:p>
@@ -2125,7 +2125,7 @@
           <a:p>
             <a:fld id="{9D1441F9-EC97-2D4F-BE7B-2F3A7CF96111}" type="datetimeFigureOut">
               <a:rPr lang="en-US" smtClean="0"/>
-              <a:t>4/10/19</a:t>
+              <a:t>4/16/19</a:t>
             </a:fld>
             <a:endParaRPr lang="en-US" dirty="0"/>
           </a:p>
@@ -2899,7 +2899,7 @@
           <a:p>
             <a:fld id="{9D1441F9-EC97-2D4F-BE7B-2F3A7CF96111}" type="datetimeFigureOut">
               <a:rPr lang="en-US" smtClean="0"/>
-              <a:t>4/10/19</a:t>
+              <a:t>4/16/19</a:t>
             </a:fld>
             <a:endParaRPr lang="en-US" dirty="0"/>
           </a:p>
@@ -3074,7 +3074,7 @@
           <a:p>
             <a:fld id="{9D1441F9-EC97-2D4F-BE7B-2F3A7CF96111}" type="datetimeFigureOut">
               <a:rPr lang="en-US" smtClean="0"/>
-              <a:t>4/10/19</a:t>
+              <a:t>4/16/19</a:t>
             </a:fld>
             <a:endParaRPr lang="en-US" dirty="0"/>
           </a:p>
@@ -3297,7 +3297,7 @@
           <a:p>
             <a:fld id="{9D1441F9-EC97-2D4F-BE7B-2F3A7CF96111}" type="datetimeFigureOut">
               <a:rPr lang="en-US" smtClean="0"/>
-              <a:t>4/10/19</a:t>
+              <a:t>4/16/19</a:t>
             </a:fld>
             <a:endParaRPr lang="en-US" dirty="0"/>
           </a:p>
@@ -3477,7 +3477,7 @@
           <a:p>
             <a:fld id="{9D1441F9-EC97-2D4F-BE7B-2F3A7CF96111}" type="datetimeFigureOut">
               <a:rPr lang="en-US" smtClean="0"/>
-              <a:t>4/10/19</a:t>
+              <a:t>4/16/19</a:t>
             </a:fld>
             <a:endParaRPr lang="en-US" dirty="0"/>
           </a:p>
@@ -3766,7 +3766,7 @@
           <a:p>
             <a:fld id="{9D1441F9-EC97-2D4F-BE7B-2F3A7CF96111}" type="datetimeFigureOut">
               <a:rPr lang="en-US" smtClean="0"/>
-              <a:t>4/10/19</a:t>
+              <a:t>4/16/19</a:t>
             </a:fld>
             <a:endParaRPr lang="en-US" dirty="0"/>
           </a:p>
@@ -4008,7 +4008,7 @@
           <a:p>
             <a:fld id="{9D1441F9-EC97-2D4F-BE7B-2F3A7CF96111}" type="datetimeFigureOut">
               <a:rPr lang="en-US" smtClean="0"/>
-              <a:t>4/10/19</a:t>
+              <a:t>4/16/19</a:t>
             </a:fld>
             <a:endParaRPr lang="en-US" dirty="0"/>
           </a:p>
@@ -4387,7 +4387,7 @@
           <a:p>
             <a:fld id="{9D1441F9-EC97-2D4F-BE7B-2F3A7CF96111}" type="datetimeFigureOut">
               <a:rPr lang="en-US" smtClean="0"/>
-              <a:t>4/10/19</a:t>
+              <a:t>4/16/19</a:t>
             </a:fld>
             <a:endParaRPr lang="en-US" dirty="0"/>
           </a:p>
@@ -4505,7 +4505,7 @@
           <a:p>
             <a:fld id="{9D1441F9-EC97-2D4F-BE7B-2F3A7CF96111}" type="datetimeFigureOut">
               <a:rPr lang="en-US" smtClean="0"/>
-              <a:t>4/10/19</a:t>
+              <a:t>4/16/19</a:t>
             </a:fld>
             <a:endParaRPr lang="en-US" dirty="0"/>
           </a:p>
@@ -4600,7 +4600,7 @@
           <a:p>
             <a:fld id="{9D1441F9-EC97-2D4F-BE7B-2F3A7CF96111}" type="datetimeFigureOut">
               <a:rPr lang="en-US" smtClean="0"/>
-              <a:t>4/10/19</a:t>
+              <a:t>4/16/19</a:t>
             </a:fld>
             <a:endParaRPr lang="en-US" dirty="0"/>
           </a:p>
@@ -4849,7 +4849,7 @@
           <a:p>
             <a:fld id="{9D1441F9-EC97-2D4F-BE7B-2F3A7CF96111}" type="datetimeFigureOut">
               <a:rPr lang="en-US" smtClean="0"/>
-              <a:t>4/10/19</a:t>
+              <a:t>4/16/19</a:t>
             </a:fld>
             <a:endParaRPr lang="en-US" dirty="0"/>
           </a:p>
@@ -5106,7 +5106,7 @@
           <a:p>
             <a:fld id="{9D1441F9-EC97-2D4F-BE7B-2F3A7CF96111}" type="datetimeFigureOut">
               <a:rPr lang="en-US" smtClean="0"/>
-              <a:t>4/10/19</a:t>
+              <a:t>4/16/19</a:t>
             </a:fld>
             <a:endParaRPr lang="en-US" dirty="0"/>
           </a:p>
@@ -5349,7 +5349,7 @@
           <a:p>
             <a:fld id="{9D1441F9-EC97-2D4F-BE7B-2F3A7CF96111}" type="datetimeFigureOut">
               <a:rPr lang="en-US" smtClean="0"/>
-              <a:t>4/10/19</a:t>
+              <a:t>4/16/19</a:t>
             </a:fld>
             <a:endParaRPr lang="en-US" dirty="0"/>
           </a:p>

--- a/projects/01-socket-chat/1.3-non-blocking-socketchannel/non-blocking-chat.pptx
+++ b/projects/01-socket-chat/1.3-non-blocking-socketchannel/non-blocking-chat.pptx
@@ -297,7 +297,7 @@
           <a:p>
             <a:fld id="{9D1441F9-EC97-2D4F-BE7B-2F3A7CF96111}" type="datetimeFigureOut">
               <a:rPr lang="en-US" smtClean="0"/>
-              <a:t>4/16/19</a:t>
+              <a:t>10/1/19</a:t>
             </a:fld>
             <a:endParaRPr lang="en-US" dirty="0"/>
           </a:p>
@@ -564,7 +564,7 @@
           <a:p>
             <a:fld id="{9D1441F9-EC97-2D4F-BE7B-2F3A7CF96111}" type="datetimeFigureOut">
               <a:rPr lang="en-US" smtClean="0"/>
-              <a:t>4/16/19</a:t>
+              <a:t>10/1/19</a:t>
             </a:fld>
             <a:endParaRPr lang="en-US" dirty="0"/>
           </a:p>
@@ -795,7 +795,7 @@
           <a:p>
             <a:fld id="{9D1441F9-EC97-2D4F-BE7B-2F3A7CF96111}" type="datetimeFigureOut">
               <a:rPr lang="en-US" smtClean="0"/>
-              <a:t>4/16/19</a:t>
+              <a:t>10/1/19</a:t>
             </a:fld>
             <a:endParaRPr lang="en-US" dirty="0"/>
           </a:p>
@@ -1105,7 +1105,7 @@
           <a:p>
             <a:fld id="{9D1441F9-EC97-2D4F-BE7B-2F3A7CF96111}" type="datetimeFigureOut">
               <a:rPr lang="en-US" smtClean="0"/>
-              <a:t>4/16/19</a:t>
+              <a:t>10/1/19</a:t>
             </a:fld>
             <a:endParaRPr lang="en-US" dirty="0"/>
           </a:p>
@@ -1578,7 +1578,7 @@
           <a:p>
             <a:fld id="{9D1441F9-EC97-2D4F-BE7B-2F3A7CF96111}" type="datetimeFigureOut">
               <a:rPr lang="en-US" smtClean="0"/>
-              <a:t>4/16/19</a:t>
+              <a:t>10/1/19</a:t>
             </a:fld>
             <a:endParaRPr lang="en-US" dirty="0"/>
           </a:p>
@@ -2125,7 +2125,7 @@
           <a:p>
             <a:fld id="{9D1441F9-EC97-2D4F-BE7B-2F3A7CF96111}" type="datetimeFigureOut">
               <a:rPr lang="en-US" smtClean="0"/>
-              <a:t>4/16/19</a:t>
+              <a:t>10/1/19</a:t>
             </a:fld>
             <a:endParaRPr lang="en-US" dirty="0"/>
           </a:p>
@@ -2899,7 +2899,7 @@
           <a:p>
             <a:fld id="{9D1441F9-EC97-2D4F-BE7B-2F3A7CF96111}" type="datetimeFigureOut">
               <a:rPr lang="en-US" smtClean="0"/>
-              <a:t>4/16/19</a:t>
+              <a:t>10/1/19</a:t>
             </a:fld>
             <a:endParaRPr lang="en-US" dirty="0"/>
           </a:p>
@@ -3074,7 +3074,7 @@
           <a:p>
             <a:fld id="{9D1441F9-EC97-2D4F-BE7B-2F3A7CF96111}" type="datetimeFigureOut">
               <a:rPr lang="en-US" smtClean="0"/>
-              <a:t>4/16/19</a:t>
+              <a:t>10/1/19</a:t>
             </a:fld>
             <a:endParaRPr lang="en-US" dirty="0"/>
           </a:p>
@@ -3297,7 +3297,7 @@
           <a:p>
             <a:fld id="{9D1441F9-EC97-2D4F-BE7B-2F3A7CF96111}" type="datetimeFigureOut">
               <a:rPr lang="en-US" smtClean="0"/>
-              <a:t>4/16/19</a:t>
+              <a:t>10/1/19</a:t>
             </a:fld>
             <a:endParaRPr lang="en-US" dirty="0"/>
           </a:p>
@@ -3477,7 +3477,7 @@
           <a:p>
             <a:fld id="{9D1441F9-EC97-2D4F-BE7B-2F3A7CF96111}" type="datetimeFigureOut">
               <a:rPr lang="en-US" smtClean="0"/>
-              <a:t>4/16/19</a:t>
+              <a:t>10/1/19</a:t>
             </a:fld>
             <a:endParaRPr lang="en-US" dirty="0"/>
           </a:p>
@@ -3766,7 +3766,7 @@
           <a:p>
             <a:fld id="{9D1441F9-EC97-2D4F-BE7B-2F3A7CF96111}" type="datetimeFigureOut">
               <a:rPr lang="en-US" smtClean="0"/>
-              <a:t>4/16/19</a:t>
+              <a:t>10/1/19</a:t>
             </a:fld>
             <a:endParaRPr lang="en-US" dirty="0"/>
           </a:p>
@@ -4008,7 +4008,7 @@
           <a:p>
             <a:fld id="{9D1441F9-EC97-2D4F-BE7B-2F3A7CF96111}" type="datetimeFigureOut">
               <a:rPr lang="en-US" smtClean="0"/>
-              <a:t>4/16/19</a:t>
+              <a:t>10/1/19</a:t>
             </a:fld>
             <a:endParaRPr lang="en-US" dirty="0"/>
           </a:p>
@@ -4387,7 +4387,7 @@
           <a:p>
             <a:fld id="{9D1441F9-EC97-2D4F-BE7B-2F3A7CF96111}" type="datetimeFigureOut">
               <a:rPr lang="en-US" smtClean="0"/>
-              <a:t>4/16/19</a:t>
+              <a:t>10/1/19</a:t>
             </a:fld>
             <a:endParaRPr lang="en-US" dirty="0"/>
           </a:p>
@@ -4505,7 +4505,7 @@
           <a:p>
             <a:fld id="{9D1441F9-EC97-2D4F-BE7B-2F3A7CF96111}" type="datetimeFigureOut">
               <a:rPr lang="en-US" smtClean="0"/>
-              <a:t>4/16/19</a:t>
+              <a:t>10/1/19</a:t>
             </a:fld>
             <a:endParaRPr lang="en-US" dirty="0"/>
           </a:p>
@@ -4600,7 +4600,7 @@
           <a:p>
             <a:fld id="{9D1441F9-EC97-2D4F-BE7B-2F3A7CF96111}" type="datetimeFigureOut">
               <a:rPr lang="en-US" smtClean="0"/>
-              <a:t>4/16/19</a:t>
+              <a:t>10/1/19</a:t>
             </a:fld>
             <a:endParaRPr lang="en-US" dirty="0"/>
           </a:p>
@@ -4849,7 +4849,7 @@
           <a:p>
             <a:fld id="{9D1441F9-EC97-2D4F-BE7B-2F3A7CF96111}" type="datetimeFigureOut">
               <a:rPr lang="en-US" smtClean="0"/>
-              <a:t>4/16/19</a:t>
+              <a:t>10/1/19</a:t>
             </a:fld>
             <a:endParaRPr lang="en-US" dirty="0"/>
           </a:p>
@@ -5106,7 +5106,7 @@
           <a:p>
             <a:fld id="{9D1441F9-EC97-2D4F-BE7B-2F3A7CF96111}" type="datetimeFigureOut">
               <a:rPr lang="en-US" smtClean="0"/>
-              <a:t>4/16/19</a:t>
+              <a:t>10/1/19</a:t>
             </a:fld>
             <a:endParaRPr lang="en-US" dirty="0"/>
           </a:p>
@@ -5349,7 +5349,7 @@
           <a:p>
             <a:fld id="{9D1441F9-EC97-2D4F-BE7B-2F3A7CF96111}" type="datetimeFigureOut">
               <a:rPr lang="en-US" smtClean="0"/>
-              <a:t>4/16/19</a:t>
+              <a:t>10/1/19</a:t>
             </a:fld>
             <a:endParaRPr lang="en-US" dirty="0"/>
           </a:p>
@@ -6247,10 +6247,10 @@
       </p:grpSp>
       <p:sp>
         <p:nvSpPr>
-          <p:cNvPr id="10" name="Right Arrow 9">
+          <p:cNvPr id="11" name="Right Arrow 10">
             <a:extLst>
               <a:ext uri="{FF2B5EF4-FFF2-40B4-BE49-F238E27FC236}">
-                <a16:creationId xmlns:a16="http://schemas.microsoft.com/office/drawing/2014/main" id="{F59C370B-AA76-7245-B3E8-D27ED258FF73}"/>
+                <a16:creationId xmlns:a16="http://schemas.microsoft.com/office/drawing/2014/main" id="{FD2FE394-F94F-C643-B57C-FABD018E5AB9}"/>
               </a:ext>
             </a:extLst>
           </p:cNvPr>
@@ -6259,7 +6259,7 @@
         </p:nvSpPr>
         <p:spPr>
           <a:xfrm rot="16200000">
-            <a:off x="3295650" y="5514975"/>
+            <a:off x="3286125" y="5476875"/>
             <a:ext cx="819150" cy="285750"/>
           </a:xfrm>
           <a:prstGeom prst="rightArrow">
@@ -6983,41 +6983,6 @@
       </p:sp>
       <p:sp>
         <p:nvSpPr>
-          <p:cNvPr id="3" name="Content Placeholder 2">
-            <a:extLst>
-              <a:ext uri="{FF2B5EF4-FFF2-40B4-BE49-F238E27FC236}">
-                <a16:creationId xmlns:a16="http://schemas.microsoft.com/office/drawing/2014/main" id="{C9044F89-E3C1-E349-B0DE-0B932821234C}"/>
-              </a:ext>
-            </a:extLst>
-          </p:cNvPr>
-          <p:cNvSpPr>
-            <a:spLocks noGrp="1"/>
-          </p:cNvSpPr>
-          <p:nvPr>
-            <p:ph idx="1"/>
-          </p:nvPr>
-        </p:nvSpPr>
-        <p:spPr>
-          <a:xfrm>
-            <a:off x="609600" y="2133600"/>
-            <a:ext cx="10895012" cy="1581150"/>
-          </a:xfrm>
-        </p:spPr>
-        <p:txBody>
-          <a:bodyPr>
-            <a:normAutofit/>
-          </a:bodyPr>
-          <a:lstStyle/>
-          <a:p>
-            <a:r>
-              <a:rPr lang="pt-BR" sz="2800" dirty="0"/>
-              <a:t>Cada vez que um dado é gravado, o ponteiro avança pra próxima posição livre</a:t>
-            </a:r>
-          </a:p>
-        </p:txBody>
-      </p:sp>
-      <p:sp>
-        <p:nvSpPr>
           <p:cNvPr id="4" name="Rectangle 3">
             <a:extLst>
               <a:ext uri="{FF2B5EF4-FFF2-40B4-BE49-F238E27FC236}">
@@ -7338,6 +7303,41 @@
           </a:p>
         </p:txBody>
       </p:sp>
+      <p:sp>
+        <p:nvSpPr>
+          <p:cNvPr id="13" name="Content Placeholder 2">
+            <a:extLst>
+              <a:ext uri="{FF2B5EF4-FFF2-40B4-BE49-F238E27FC236}">
+                <a16:creationId xmlns:a16="http://schemas.microsoft.com/office/drawing/2014/main" id="{958A6C1F-F2B9-194B-8E4A-73AD0634CF30}"/>
+              </a:ext>
+            </a:extLst>
+          </p:cNvPr>
+          <p:cNvSpPr>
+            <a:spLocks noGrp="1"/>
+          </p:cNvSpPr>
+          <p:nvPr>
+            <p:ph idx="1"/>
+          </p:nvPr>
+        </p:nvSpPr>
+        <p:spPr>
+          <a:xfrm>
+            <a:off x="821635" y="2133600"/>
+            <a:ext cx="10682977" cy="1581150"/>
+          </a:xfrm>
+        </p:spPr>
+        <p:txBody>
+          <a:bodyPr>
+            <a:normAutofit/>
+          </a:bodyPr>
+          <a:lstStyle/>
+          <a:p>
+            <a:r>
+              <a:rPr lang="pt-BR" sz="2800" dirty="0"/>
+              <a:t>Cada vez que um dado é gravado, o ponteiro avança pra próxima posição livre</a:t>
+            </a:r>
+          </a:p>
+        </p:txBody>
+      </p:sp>
     </p:spTree>
     <p:extLst>
       <p:ext uri="{BB962C8B-B14F-4D97-AF65-F5344CB8AC3E}">
@@ -7360,6 +7360,9 @@
                     <p:cTn id="3" fill="hold">
                       <p:stCondLst>
                         <p:cond delay="indefinite"/>
+                        <p:cond evt="onBegin" delay="0">
+                          <p:tn val="2"/>
+                        </p:cond>
                       </p:stCondLst>
                       <p:childTnLst>
                         <p:par>
@@ -7369,7 +7372,7 @@
                             </p:stCondLst>
                             <p:childTnLst>
                               <p:par>
-                                <p:cTn id="5" presetID="9" presetClass="entr" presetSubtype="0" fill="hold" grpId="0" nodeType="clickEffect">
+                                <p:cTn id="5" presetID="9" presetClass="entr" presetSubtype="0" fill="hold" grpId="0" nodeType="withEffect">
                                   <p:stCondLst>
                                     <p:cond delay="0"/>
                                   </p:stCondLst>
@@ -8153,7 +8156,7 @@
           <a:p>
             <a:r>
               <a:rPr lang="pt-BR" sz="2800" dirty="0"/>
-              <a:t>Por fim, antes de gravar novamente no buffer, caso os dados anteriores já tenham sido utilizados, precisamos apagá-los para evitar utilizar obter dados duplicados</a:t>
+              <a:t>Por fim, antes de gravar novamente no buffer, caso os dados anteriores já tenham sido utilizados, precisamos apagá-los para evitar obter dados duplicados</a:t>
             </a:r>
           </a:p>
           <a:p>
@@ -8181,339 +8184,376 @@
           <a:p>
             <a:r>
               <a:rPr lang="pt-BR" sz="2800" dirty="0"/>
-              <a:t>Sem isso, novos dados seriam adicionados ao final dos existentes, o que pode não fazer sentido para sua app</a:t>
-            </a:r>
-          </a:p>
-        </p:txBody>
-      </p:sp>
-      <p:sp>
-        <p:nvSpPr>
-          <p:cNvPr id="4" name="Rectangle 3">
+              <a:t>Sem o </a:t>
+            </a:r>
+            <a:r>
+              <a:rPr lang="pt-BR" sz="2800" dirty="0" err="1"/>
+              <a:t>flip</a:t>
+            </a:r>
+            <a:r>
+              <a:rPr lang="pt-BR" sz="2800" dirty="0"/>
+              <a:t>() e o </a:t>
+            </a:r>
+            <a:r>
+              <a:rPr lang="pt-BR" sz="2800" dirty="0" err="1"/>
+              <a:t>clear</a:t>
+            </a:r>
+            <a:r>
+              <a:rPr lang="pt-BR" sz="2800" dirty="0"/>
+              <a:t>(), novos dados seriam adicionados ao final dos existentes, o que pode não fazer sentido para sua app</a:t>
+            </a:r>
+          </a:p>
+        </p:txBody>
+      </p:sp>
+      <p:grpSp>
+        <p:nvGrpSpPr>
+          <p:cNvPr id="11" name="Group 10">
             <a:extLst>
               <a:ext uri="{FF2B5EF4-FFF2-40B4-BE49-F238E27FC236}">
-                <a16:creationId xmlns:a16="http://schemas.microsoft.com/office/drawing/2014/main" id="{F15EA635-60EC-7B43-A400-C0B11A07569C}"/>
+                <a16:creationId xmlns:a16="http://schemas.microsoft.com/office/drawing/2014/main" id="{EF80D5D6-3794-AD44-AF59-7618918DBF73}"/>
               </a:ext>
             </a:extLst>
           </p:cNvPr>
-          <p:cNvSpPr/>
+          <p:cNvGrpSpPr/>
           <p:nvPr/>
-        </p:nvSpPr>
-        <p:spPr>
+        </p:nvGrpSpPr>
+        <p:grpSpPr>
           <a:xfrm>
             <a:off x="3238500" y="4938921"/>
-            <a:ext cx="914400" cy="914400"/>
+            <a:ext cx="4572000" cy="1800225"/>
+            <a:chOff x="3238500" y="4938921"/>
+            <a:chExt cx="4572000" cy="1800225"/>
           </a:xfrm>
-          <a:prstGeom prst="rect">
-            <a:avLst/>
-          </a:prstGeom>
-          <a:solidFill>
-            <a:schemeClr val="bg1"/>
-          </a:solidFill>
-        </p:spPr>
-        <p:style>
-          <a:lnRef idx="2">
-            <a:schemeClr val="accent1">
-              <a:shade val="50000"/>
-            </a:schemeClr>
-          </a:lnRef>
-          <a:fillRef idx="1">
-            <a:schemeClr val="accent1"/>
-          </a:fillRef>
-          <a:effectRef idx="0">
-            <a:schemeClr val="accent1"/>
-          </a:effectRef>
-          <a:fontRef idx="minor">
-            <a:schemeClr val="lt1"/>
-          </a:fontRef>
-        </p:style>
-        <p:txBody>
-          <a:bodyPr rtlCol="0" anchor="ctr"/>
-          <a:lstStyle/>
-          <a:p>
-            <a:pPr algn="ctr"/>
-            <a:r>
-              <a:rPr lang="pt-BR" sz="3200" b="1" dirty="0">
+        </p:grpSpPr>
+        <p:sp>
+          <p:nvSpPr>
+            <p:cNvPr id="4" name="Rectangle 3">
+              <a:extLst>
+                <a:ext uri="{FF2B5EF4-FFF2-40B4-BE49-F238E27FC236}">
+                  <a16:creationId xmlns:a16="http://schemas.microsoft.com/office/drawing/2014/main" id="{F15EA635-60EC-7B43-A400-C0B11A07569C}"/>
+                </a:ext>
+              </a:extLst>
+            </p:cNvPr>
+            <p:cNvSpPr/>
+            <p:nvPr/>
+          </p:nvSpPr>
+          <p:spPr>
+            <a:xfrm>
+              <a:off x="3238500" y="4938921"/>
+              <a:ext cx="914400" cy="914400"/>
+            </a:xfrm>
+            <a:prstGeom prst="rect">
+              <a:avLst/>
+            </a:prstGeom>
+            <a:solidFill>
+              <a:schemeClr val="bg1"/>
+            </a:solidFill>
+          </p:spPr>
+          <p:style>
+            <a:lnRef idx="2">
+              <a:schemeClr val="accent1">
+                <a:shade val="50000"/>
+              </a:schemeClr>
+            </a:lnRef>
+            <a:fillRef idx="1">
+              <a:schemeClr val="accent1"/>
+            </a:fillRef>
+            <a:effectRef idx="0">
+              <a:schemeClr val="accent1"/>
+            </a:effectRef>
+            <a:fontRef idx="minor">
+              <a:schemeClr val="lt1"/>
+            </a:fontRef>
+          </p:style>
+          <p:txBody>
+            <a:bodyPr rtlCol="0" anchor="ctr"/>
+            <a:lstStyle/>
+            <a:p>
+              <a:pPr algn="ctr"/>
+              <a:r>
+                <a:rPr lang="pt-BR" sz="3200" b="1" dirty="0">
+                  <a:solidFill>
+                    <a:schemeClr val="tx1"/>
+                  </a:solidFill>
+                </a:rPr>
+                <a:t>A</a:t>
+              </a:r>
+            </a:p>
+          </p:txBody>
+        </p:sp>
+        <p:sp>
+          <p:nvSpPr>
+            <p:cNvPr id="5" name="Rectangle 4">
+              <a:extLst>
+                <a:ext uri="{FF2B5EF4-FFF2-40B4-BE49-F238E27FC236}">
+                  <a16:creationId xmlns:a16="http://schemas.microsoft.com/office/drawing/2014/main" id="{5B2BEB55-D80A-0642-9204-4B755BD9B505}"/>
+                </a:ext>
+              </a:extLst>
+            </p:cNvPr>
+            <p:cNvSpPr/>
+            <p:nvPr/>
+          </p:nvSpPr>
+          <p:spPr>
+            <a:xfrm>
+              <a:off x="4152900" y="4938921"/>
+              <a:ext cx="914400" cy="914400"/>
+            </a:xfrm>
+            <a:prstGeom prst="rect">
+              <a:avLst/>
+            </a:prstGeom>
+            <a:solidFill>
+              <a:schemeClr val="bg1"/>
+            </a:solidFill>
+          </p:spPr>
+          <p:style>
+            <a:lnRef idx="2">
+              <a:schemeClr val="accent1">
+                <a:shade val="50000"/>
+              </a:schemeClr>
+            </a:lnRef>
+            <a:fillRef idx="1">
+              <a:schemeClr val="accent1"/>
+            </a:fillRef>
+            <a:effectRef idx="0">
+              <a:schemeClr val="accent1"/>
+            </a:effectRef>
+            <a:fontRef idx="minor">
+              <a:schemeClr val="lt1"/>
+            </a:fontRef>
+          </p:style>
+          <p:txBody>
+            <a:bodyPr rtlCol="0" anchor="ctr"/>
+            <a:lstStyle/>
+            <a:p>
+              <a:pPr algn="ctr"/>
+              <a:r>
+                <a:rPr lang="pt-BR" sz="3200" b="1" dirty="0" err="1">
+                  <a:solidFill>
+                    <a:schemeClr val="tx1"/>
+                  </a:solidFill>
+                </a:rPr>
+                <a:t>B</a:t>
+              </a:r>
+              <a:endParaRPr lang="pt-BR" sz="3200" b="1" dirty="0">
                 <a:solidFill>
                   <a:schemeClr val="tx1"/>
                 </a:solidFill>
-              </a:rPr>
-              <a:t>A</a:t>
-            </a:r>
-          </a:p>
-        </p:txBody>
-      </p:sp>
-      <p:sp>
-        <p:nvSpPr>
-          <p:cNvPr id="5" name="Rectangle 4">
-            <a:extLst>
-              <a:ext uri="{FF2B5EF4-FFF2-40B4-BE49-F238E27FC236}">
-                <a16:creationId xmlns:a16="http://schemas.microsoft.com/office/drawing/2014/main" id="{5B2BEB55-D80A-0642-9204-4B755BD9B505}"/>
-              </a:ext>
-            </a:extLst>
-          </p:cNvPr>
-          <p:cNvSpPr/>
-          <p:nvPr/>
-        </p:nvSpPr>
-        <p:spPr>
-          <a:xfrm>
-            <a:off x="4152900" y="4938921"/>
-            <a:ext cx="914400" cy="914400"/>
-          </a:xfrm>
-          <a:prstGeom prst="rect">
-            <a:avLst/>
-          </a:prstGeom>
-          <a:solidFill>
-            <a:schemeClr val="bg1"/>
-          </a:solidFill>
-        </p:spPr>
-        <p:style>
-          <a:lnRef idx="2">
-            <a:schemeClr val="accent1">
-              <a:shade val="50000"/>
-            </a:schemeClr>
-          </a:lnRef>
-          <a:fillRef idx="1">
-            <a:schemeClr val="accent1"/>
-          </a:fillRef>
-          <a:effectRef idx="0">
-            <a:schemeClr val="accent1"/>
-          </a:effectRef>
-          <a:fontRef idx="minor">
-            <a:schemeClr val="lt1"/>
-          </a:fontRef>
-        </p:style>
-        <p:txBody>
-          <a:bodyPr rtlCol="0" anchor="ctr"/>
-          <a:lstStyle/>
-          <a:p>
-            <a:pPr algn="ctr"/>
-            <a:r>
-              <a:rPr lang="pt-BR" sz="3200" b="1" dirty="0" err="1">
+              </a:endParaRPr>
+            </a:p>
+          </p:txBody>
+        </p:sp>
+        <p:sp>
+          <p:nvSpPr>
+            <p:cNvPr id="6" name="Rectangle 5">
+              <a:extLst>
+                <a:ext uri="{FF2B5EF4-FFF2-40B4-BE49-F238E27FC236}">
+                  <a16:creationId xmlns:a16="http://schemas.microsoft.com/office/drawing/2014/main" id="{6009B97A-E0A2-CB40-A150-6DCDC648A6F2}"/>
+                </a:ext>
+              </a:extLst>
+            </p:cNvPr>
+            <p:cNvSpPr/>
+            <p:nvPr/>
+          </p:nvSpPr>
+          <p:spPr>
+            <a:xfrm>
+              <a:off x="5067300" y="4938921"/>
+              <a:ext cx="914400" cy="914400"/>
+            </a:xfrm>
+            <a:prstGeom prst="rect">
+              <a:avLst/>
+            </a:prstGeom>
+            <a:solidFill>
+              <a:schemeClr val="bg1"/>
+            </a:solidFill>
+          </p:spPr>
+          <p:style>
+            <a:lnRef idx="2">
+              <a:schemeClr val="accent1">
+                <a:shade val="50000"/>
+              </a:schemeClr>
+            </a:lnRef>
+            <a:fillRef idx="1">
+              <a:schemeClr val="accent1"/>
+            </a:fillRef>
+            <a:effectRef idx="0">
+              <a:schemeClr val="accent1"/>
+            </a:effectRef>
+            <a:fontRef idx="minor">
+              <a:schemeClr val="lt1"/>
+            </a:fontRef>
+          </p:style>
+          <p:txBody>
+            <a:bodyPr rtlCol="0" anchor="ctr"/>
+            <a:lstStyle/>
+            <a:p>
+              <a:pPr algn="ctr"/>
+              <a:r>
+                <a:rPr lang="pt-BR" sz="3200" b="1" dirty="0">
+                  <a:solidFill>
+                    <a:schemeClr val="tx1"/>
+                  </a:solidFill>
+                </a:rPr>
+                <a:t>1</a:t>
+              </a:r>
+            </a:p>
+          </p:txBody>
+        </p:sp>
+        <p:sp>
+          <p:nvSpPr>
+            <p:cNvPr id="7" name="Rectangle 6">
+              <a:extLst>
+                <a:ext uri="{FF2B5EF4-FFF2-40B4-BE49-F238E27FC236}">
+                  <a16:creationId xmlns:a16="http://schemas.microsoft.com/office/drawing/2014/main" id="{BC6BA2EC-C745-8C4B-982C-01ED348F61F2}"/>
+                </a:ext>
+              </a:extLst>
+            </p:cNvPr>
+            <p:cNvSpPr/>
+            <p:nvPr/>
+          </p:nvSpPr>
+          <p:spPr>
+            <a:xfrm>
+              <a:off x="5981700" y="4938921"/>
+              <a:ext cx="914400" cy="914400"/>
+            </a:xfrm>
+            <a:prstGeom prst="rect">
+              <a:avLst/>
+            </a:prstGeom>
+            <a:solidFill>
+              <a:schemeClr val="bg1"/>
+            </a:solidFill>
+          </p:spPr>
+          <p:style>
+            <a:lnRef idx="2">
+              <a:schemeClr val="accent1">
+                <a:shade val="50000"/>
+              </a:schemeClr>
+            </a:lnRef>
+            <a:fillRef idx="1">
+              <a:schemeClr val="accent1"/>
+            </a:fillRef>
+            <a:effectRef idx="0">
+              <a:schemeClr val="accent1"/>
+            </a:effectRef>
+            <a:fontRef idx="minor">
+              <a:schemeClr val="lt1"/>
+            </a:fontRef>
+          </p:style>
+          <p:txBody>
+            <a:bodyPr rtlCol="0" anchor="ctr"/>
+            <a:lstStyle/>
+            <a:p>
+              <a:pPr algn="ctr"/>
+              <a:r>
+                <a:rPr lang="pt-BR" sz="3200" b="1" dirty="0">
+                  <a:solidFill>
+                    <a:schemeClr val="tx1"/>
+                  </a:solidFill>
+                </a:rPr>
+                <a:t>2</a:t>
+              </a:r>
+            </a:p>
+          </p:txBody>
+        </p:sp>
+        <p:sp>
+          <p:nvSpPr>
+            <p:cNvPr id="8" name="Rectangle 7">
+              <a:extLst>
+                <a:ext uri="{FF2B5EF4-FFF2-40B4-BE49-F238E27FC236}">
+                  <a16:creationId xmlns:a16="http://schemas.microsoft.com/office/drawing/2014/main" id="{7E78FB44-1E7A-684B-831A-8B773C308356}"/>
+                </a:ext>
+              </a:extLst>
+            </p:cNvPr>
+            <p:cNvSpPr/>
+            <p:nvPr/>
+          </p:nvSpPr>
+          <p:spPr>
+            <a:xfrm>
+              <a:off x="6896100" y="4938921"/>
+              <a:ext cx="914400" cy="914400"/>
+            </a:xfrm>
+            <a:prstGeom prst="rect">
+              <a:avLst/>
+            </a:prstGeom>
+            <a:solidFill>
+              <a:schemeClr val="bg1"/>
+            </a:solidFill>
+          </p:spPr>
+          <p:style>
+            <a:lnRef idx="2">
+              <a:schemeClr val="accent1">
+                <a:shade val="50000"/>
+              </a:schemeClr>
+            </a:lnRef>
+            <a:fillRef idx="1">
+              <a:schemeClr val="accent1"/>
+            </a:fillRef>
+            <a:effectRef idx="0">
+              <a:schemeClr val="accent1"/>
+            </a:effectRef>
+            <a:fontRef idx="minor">
+              <a:schemeClr val="lt1"/>
+            </a:fontRef>
+          </p:style>
+          <p:txBody>
+            <a:bodyPr rtlCol="0" anchor="ctr"/>
+            <a:lstStyle/>
+            <a:p>
+              <a:pPr algn="ctr"/>
+              <a:endParaRPr lang="pt-BR" sz="3200" b="1" dirty="0">
                 <a:solidFill>
                   <a:schemeClr val="tx1"/>
                 </a:solidFill>
-              </a:rPr>
-              <a:t>B</a:t>
-            </a:r>
-            <a:endParaRPr lang="pt-BR" sz="3200" b="1" dirty="0">
-              <a:solidFill>
-                <a:schemeClr val="tx1"/>
-              </a:solidFill>
-            </a:endParaRPr>
-          </a:p>
-        </p:txBody>
-      </p:sp>
-      <p:sp>
-        <p:nvSpPr>
-          <p:cNvPr id="6" name="Rectangle 5">
-            <a:extLst>
-              <a:ext uri="{FF2B5EF4-FFF2-40B4-BE49-F238E27FC236}">
-                <a16:creationId xmlns:a16="http://schemas.microsoft.com/office/drawing/2014/main" id="{6009B97A-E0A2-CB40-A150-6DCDC648A6F2}"/>
-              </a:ext>
-            </a:extLst>
-          </p:cNvPr>
-          <p:cNvSpPr/>
-          <p:nvPr/>
-        </p:nvSpPr>
-        <p:spPr>
-          <a:xfrm>
-            <a:off x="5067300" y="4938921"/>
-            <a:ext cx="914400" cy="914400"/>
-          </a:xfrm>
-          <a:prstGeom prst="rect">
-            <a:avLst/>
-          </a:prstGeom>
-          <a:solidFill>
-            <a:schemeClr val="bg1"/>
-          </a:solidFill>
-        </p:spPr>
-        <p:style>
-          <a:lnRef idx="2">
-            <a:schemeClr val="accent1">
-              <a:shade val="50000"/>
-            </a:schemeClr>
-          </a:lnRef>
-          <a:fillRef idx="1">
-            <a:schemeClr val="accent1"/>
-          </a:fillRef>
-          <a:effectRef idx="0">
-            <a:schemeClr val="accent1"/>
-          </a:effectRef>
-          <a:fontRef idx="minor">
-            <a:schemeClr val="lt1"/>
-          </a:fontRef>
-        </p:style>
-        <p:txBody>
-          <a:bodyPr rtlCol="0" anchor="ctr"/>
-          <a:lstStyle/>
-          <a:p>
-            <a:pPr algn="ctr"/>
-            <a:r>
-              <a:rPr lang="pt-BR" sz="3200" b="1" dirty="0">
-                <a:solidFill>
-                  <a:schemeClr val="tx1"/>
-                </a:solidFill>
-              </a:rPr>
-              <a:t>1</a:t>
-            </a:r>
-          </a:p>
-        </p:txBody>
-      </p:sp>
-      <p:sp>
-        <p:nvSpPr>
-          <p:cNvPr id="7" name="Rectangle 6">
-            <a:extLst>
-              <a:ext uri="{FF2B5EF4-FFF2-40B4-BE49-F238E27FC236}">
-                <a16:creationId xmlns:a16="http://schemas.microsoft.com/office/drawing/2014/main" id="{BC6BA2EC-C745-8C4B-982C-01ED348F61F2}"/>
-              </a:ext>
-            </a:extLst>
-          </p:cNvPr>
-          <p:cNvSpPr/>
-          <p:nvPr/>
-        </p:nvSpPr>
-        <p:spPr>
-          <a:xfrm>
-            <a:off x="5981700" y="4938921"/>
-            <a:ext cx="914400" cy="914400"/>
-          </a:xfrm>
-          <a:prstGeom prst="rect">
-            <a:avLst/>
-          </a:prstGeom>
-          <a:solidFill>
-            <a:schemeClr val="bg1"/>
-          </a:solidFill>
-        </p:spPr>
-        <p:style>
-          <a:lnRef idx="2">
-            <a:schemeClr val="accent1">
-              <a:shade val="50000"/>
-            </a:schemeClr>
-          </a:lnRef>
-          <a:fillRef idx="1">
-            <a:schemeClr val="accent1"/>
-          </a:fillRef>
-          <a:effectRef idx="0">
-            <a:schemeClr val="accent1"/>
-          </a:effectRef>
-          <a:fontRef idx="minor">
-            <a:schemeClr val="lt1"/>
-          </a:fontRef>
-        </p:style>
-        <p:txBody>
-          <a:bodyPr rtlCol="0" anchor="ctr"/>
-          <a:lstStyle/>
-          <a:p>
-            <a:pPr algn="ctr"/>
-            <a:r>
-              <a:rPr lang="pt-BR" sz="3200" b="1" dirty="0">
-                <a:solidFill>
-                  <a:schemeClr val="tx1"/>
-                </a:solidFill>
-              </a:rPr>
-              <a:t>2</a:t>
-            </a:r>
-          </a:p>
-        </p:txBody>
-      </p:sp>
-      <p:sp>
-        <p:nvSpPr>
-          <p:cNvPr id="8" name="Rectangle 7">
-            <a:extLst>
-              <a:ext uri="{FF2B5EF4-FFF2-40B4-BE49-F238E27FC236}">
-                <a16:creationId xmlns:a16="http://schemas.microsoft.com/office/drawing/2014/main" id="{7E78FB44-1E7A-684B-831A-8B773C308356}"/>
-              </a:ext>
-            </a:extLst>
-          </p:cNvPr>
-          <p:cNvSpPr/>
-          <p:nvPr/>
-        </p:nvSpPr>
-        <p:spPr>
-          <a:xfrm>
-            <a:off x="6896100" y="4938921"/>
-            <a:ext cx="914400" cy="914400"/>
-          </a:xfrm>
-          <a:prstGeom prst="rect">
-            <a:avLst/>
-          </a:prstGeom>
-          <a:solidFill>
-            <a:schemeClr val="bg1"/>
-          </a:solidFill>
-        </p:spPr>
-        <p:style>
-          <a:lnRef idx="2">
-            <a:schemeClr val="accent1">
-              <a:shade val="50000"/>
-            </a:schemeClr>
-          </a:lnRef>
-          <a:fillRef idx="1">
-            <a:schemeClr val="accent1"/>
-          </a:fillRef>
-          <a:effectRef idx="0">
-            <a:schemeClr val="accent1"/>
-          </a:effectRef>
-          <a:fontRef idx="minor">
-            <a:schemeClr val="lt1"/>
-          </a:fontRef>
-        </p:style>
-        <p:txBody>
-          <a:bodyPr rtlCol="0" anchor="ctr"/>
-          <a:lstStyle/>
-          <a:p>
-            <a:pPr algn="ctr"/>
-            <a:endParaRPr lang="pt-BR" sz="3200" b="1" dirty="0">
-              <a:solidFill>
-                <a:schemeClr val="tx1"/>
-              </a:solidFill>
-            </a:endParaRPr>
-          </a:p>
-        </p:txBody>
-      </p:sp>
-      <p:sp>
-        <p:nvSpPr>
-          <p:cNvPr id="10" name="Right Arrow 9">
-            <a:extLst>
-              <a:ext uri="{FF2B5EF4-FFF2-40B4-BE49-F238E27FC236}">
-                <a16:creationId xmlns:a16="http://schemas.microsoft.com/office/drawing/2014/main" id="{4A7A0C82-8CB7-494B-8B5D-707BCC0DEF8F}"/>
-              </a:ext>
-            </a:extLst>
-          </p:cNvPr>
-          <p:cNvSpPr/>
-          <p:nvPr/>
-        </p:nvSpPr>
-        <p:spPr>
-          <a:xfrm rot="16200000">
-            <a:off x="6943725" y="6186696"/>
-            <a:ext cx="819150" cy="285750"/>
-          </a:xfrm>
-          <a:prstGeom prst="rightArrow">
-            <a:avLst/>
-          </a:prstGeom>
-        </p:spPr>
-        <p:style>
-          <a:lnRef idx="2">
-            <a:schemeClr val="accent1">
-              <a:shade val="50000"/>
-            </a:schemeClr>
-          </a:lnRef>
-          <a:fillRef idx="1">
-            <a:schemeClr val="accent1"/>
-          </a:fillRef>
-          <a:effectRef idx="0">
-            <a:schemeClr val="accent1"/>
-          </a:effectRef>
-          <a:fontRef idx="minor">
-            <a:schemeClr val="lt1"/>
-          </a:fontRef>
-        </p:style>
-        <p:txBody>
-          <a:bodyPr rtlCol="0" anchor="ctr"/>
-          <a:lstStyle/>
-          <a:p>
-            <a:pPr algn="ctr"/>
-            <a:endParaRPr lang="pt-BR"/>
-          </a:p>
-        </p:txBody>
-      </p:sp>
+              </a:endParaRPr>
+            </a:p>
+          </p:txBody>
+        </p:sp>
+        <p:sp>
+          <p:nvSpPr>
+            <p:cNvPr id="10" name="Right Arrow 9">
+              <a:extLst>
+                <a:ext uri="{FF2B5EF4-FFF2-40B4-BE49-F238E27FC236}">
+                  <a16:creationId xmlns:a16="http://schemas.microsoft.com/office/drawing/2014/main" id="{4A7A0C82-8CB7-494B-8B5D-707BCC0DEF8F}"/>
+                </a:ext>
+              </a:extLst>
+            </p:cNvPr>
+            <p:cNvSpPr/>
+            <p:nvPr/>
+          </p:nvSpPr>
+          <p:spPr>
+            <a:xfrm rot="16200000">
+              <a:off x="6943725" y="6186696"/>
+              <a:ext cx="819150" cy="285750"/>
+            </a:xfrm>
+            <a:prstGeom prst="rightArrow">
+              <a:avLst/>
+            </a:prstGeom>
+          </p:spPr>
+          <p:style>
+            <a:lnRef idx="2">
+              <a:schemeClr val="accent1">
+                <a:shade val="50000"/>
+              </a:schemeClr>
+            </a:lnRef>
+            <a:fillRef idx="1">
+              <a:schemeClr val="accent1"/>
+            </a:fillRef>
+            <a:effectRef idx="0">
+              <a:schemeClr val="accent1"/>
+            </a:effectRef>
+            <a:fontRef idx="minor">
+              <a:schemeClr val="lt1"/>
+            </a:fontRef>
+          </p:style>
+          <p:txBody>
+            <a:bodyPr rtlCol="0" anchor="ctr"/>
+            <a:lstStyle/>
+            <a:p>
+              <a:pPr algn="ctr"/>
+              <a:endParaRPr lang="pt-BR"/>
+            </a:p>
+          </p:txBody>
+        </p:sp>
+      </p:grpSp>
     </p:spTree>
     <p:extLst>
       <p:ext uri="{BB962C8B-B14F-4D97-AF65-F5344CB8AC3E}">
@@ -8789,6 +8829,59 @@
                                               <p:pRg st="2" end="2"/>
                                             </p:txEl>
                                           </p:spTgt>
+                                        </p:tgtEl>
+                                      </p:cBhvr>
+                                    </p:animEffect>
+                                  </p:childTnLst>
+                                </p:cTn>
+                              </p:par>
+                            </p:childTnLst>
+                          </p:cTn>
+                        </p:par>
+                      </p:childTnLst>
+                    </p:cTn>
+                  </p:par>
+                  <p:par>
+                    <p:cTn id="24" fill="hold">
+                      <p:stCondLst>
+                        <p:cond delay="indefinite"/>
+                      </p:stCondLst>
+                      <p:childTnLst>
+                        <p:par>
+                          <p:cTn id="25" fill="hold">
+                            <p:stCondLst>
+                              <p:cond delay="0"/>
+                            </p:stCondLst>
+                            <p:childTnLst>
+                              <p:par>
+                                <p:cTn id="26" presetID="9" presetClass="entr" presetSubtype="0" fill="hold" nodeType="clickEffect">
+                                  <p:stCondLst>
+                                    <p:cond delay="0"/>
+                                  </p:stCondLst>
+                                  <p:childTnLst>
+                                    <p:set>
+                                      <p:cBhvr>
+                                        <p:cTn id="27" dur="1" fill="hold">
+                                          <p:stCondLst>
+                                            <p:cond delay="0"/>
+                                          </p:stCondLst>
+                                        </p:cTn>
+                                        <p:tgtEl>
+                                          <p:spTgt spid="11"/>
+                                        </p:tgtEl>
+                                        <p:attrNameLst>
+                                          <p:attrName>style.visibility</p:attrName>
+                                        </p:attrNameLst>
+                                      </p:cBhvr>
+                                      <p:to>
+                                        <p:strVal val="visible"/>
+                                      </p:to>
+                                    </p:set>
+                                    <p:animEffect transition="in" filter="dissolve">
+                                      <p:cBhvr>
+                                        <p:cTn id="28" dur="500"/>
+                                        <p:tgtEl>
+                                          <p:spTgt spid="11"/>
                                         </p:tgtEl>
                                       </p:cBhvr>
                                     </p:animEffect>
@@ -11180,14 +11273,57 @@
                             </p:stCondLst>
                             <p:childTnLst>
                               <p:par>
-                                <p:cTn id="10" presetID="9" presetClass="entr" presetSubtype="0" fill="hold" grpId="0" nodeType="clickEffect">
+                                <p:cTn id="10" presetID="9" presetClass="exit" presetSubtype="0" fill="hold" grpId="1" nodeType="clickEffect">
+                                  <p:stCondLst>
+                                    <p:cond delay="0"/>
+                                  </p:stCondLst>
+                                  <p:childTnLst>
+                                    <p:animEffect transition="out" filter="dissolve">
+                                      <p:cBhvr>
+                                        <p:cTn id="11" dur="500"/>
+                                        <p:tgtEl>
+                                          <p:spTgt spid="3">
+                                            <p:txEl>
+                                              <p:pRg st="0" end="0"/>
+                                            </p:txEl>
+                                          </p:spTgt>
+                                        </p:tgtEl>
+                                      </p:cBhvr>
+                                    </p:animEffect>
+                                    <p:set>
+                                      <p:cBhvr>
+                                        <p:cTn id="12" dur="1" fill="hold">
+                                          <p:stCondLst>
+                                            <p:cond delay="499"/>
+                                          </p:stCondLst>
+                                        </p:cTn>
+                                        <p:tgtEl>
+                                          <p:spTgt spid="3">
+                                            <p:txEl>
+                                              <p:pRg st="0" end="0"/>
+                                            </p:txEl>
+                                          </p:spTgt>
+                                        </p:tgtEl>
+                                        <p:attrNameLst>
+                                          <p:attrName>style.visibility</p:attrName>
+                                        </p:attrNameLst>
+                                      </p:cBhvr>
+                                      <p:to>
+                                        <p:strVal val="hidden"/>
+                                      </p:to>
+                                    </p:set>
+                                  </p:childTnLst>
+                                </p:cTn>
+                              </p:par>
+                              <p:par>
+                                <p:cTn id="13" presetID="9" presetClass="entr" presetSubtype="0" fill="hold" grpId="0" nodeType="withEffect">
                                   <p:stCondLst>
                                     <p:cond delay="0"/>
                                   </p:stCondLst>
                                   <p:childTnLst>
                                     <p:set>
                                       <p:cBhvr>
-                                        <p:cTn id="11" dur="1" fill="hold">
+                                        <p:cTn id="14" dur="1" fill="hold">
                                           <p:stCondLst>
                                             <p:cond delay="0"/>
                                           </p:stCondLst>
@@ -11209,7 +11345,7 @@
                                     </p:set>
                                     <p:animEffect transition="in" filter="dissolve">
                                       <p:cBhvr>
-                                        <p:cTn id="12" dur="500"/>
+                                        <p:cTn id="15" dur="500"/>
                                         <p:tgtEl>
                                           <p:spTgt spid="3">
                                             <p:txEl>
@@ -11229,26 +11365,69 @@
                     </p:cTn>
                   </p:par>
                   <p:par>
-                    <p:cTn id="13" fill="hold">
+                    <p:cTn id="16" fill="hold">
                       <p:stCondLst>
                         <p:cond delay="indefinite"/>
                       </p:stCondLst>
                       <p:childTnLst>
                         <p:par>
-                          <p:cTn id="14" fill="hold">
+                          <p:cTn id="17" fill="hold">
                             <p:stCondLst>
                               <p:cond delay="0"/>
                             </p:stCondLst>
                             <p:childTnLst>
                               <p:par>
-                                <p:cTn id="15" presetID="9" presetClass="entr" presetSubtype="0" fill="hold" grpId="0" nodeType="clickEffect">
+                                <p:cTn id="18" presetID="9" presetClass="exit" presetSubtype="0" fill="hold" grpId="1" nodeType="clickEffect">
+                                  <p:stCondLst>
+                                    <p:cond delay="0"/>
+                                  </p:stCondLst>
+                                  <p:childTnLst>
+                                    <p:animEffect transition="out" filter="dissolve">
+                                      <p:cBhvr>
+                                        <p:cTn id="19" dur="500"/>
+                                        <p:tgtEl>
+                                          <p:spTgt spid="3">
+                                            <p:txEl>
+                                              <p:pRg st="1" end="1"/>
+                                            </p:txEl>
+                                          </p:spTgt>
+                                        </p:tgtEl>
+                                      </p:cBhvr>
+                                    </p:animEffect>
+                                    <p:set>
+                                      <p:cBhvr>
+                                        <p:cTn id="20" dur="1" fill="hold">
+                                          <p:stCondLst>
+                                            <p:cond delay="499"/>
+                                          </p:stCondLst>
+                                        </p:cTn>
+                                        <p:tgtEl>
+                                          <p:spTgt spid="3">
+                                            <p:txEl>
+                                              <p:pRg st="1" end="1"/>
+                                            </p:txEl>
+                                          </p:spTgt>
+                                        </p:tgtEl>
+                                        <p:attrNameLst>
+                                          <p:attrName>style.visibility</p:attrName>
+                                        </p:attrNameLst>
+                                      </p:cBhvr>
+                                      <p:to>
+                                        <p:strVal val="hidden"/>
+                                      </p:to>
+                                    </p:set>
+                                  </p:childTnLst>
+                                </p:cTn>
+                              </p:par>
+                              <p:par>
+                                <p:cTn id="21" presetID="9" presetClass="entr" presetSubtype="0" fill="hold" grpId="0" nodeType="withEffect">
                                   <p:stCondLst>
                                     <p:cond delay="0"/>
                                   </p:stCondLst>
                                   <p:childTnLst>
                                     <p:set>
                                       <p:cBhvr>
-                                        <p:cTn id="16" dur="1" fill="hold">
+                                        <p:cTn id="22" dur="1" fill="hold">
                                           <p:stCondLst>
                                             <p:cond delay="0"/>
                                           </p:stCondLst>
@@ -11270,7 +11449,7 @@
                                     </p:set>
                                     <p:animEffect transition="in" filter="dissolve">
                                       <p:cBhvr>
-                                        <p:cTn id="17" dur="500"/>
+                                        <p:cTn id="23" dur="500"/>
                                         <p:tgtEl>
                                           <p:spTgt spid="3">
                                             <p:txEl>
@@ -11290,26 +11469,69 @@
                     </p:cTn>
                   </p:par>
                   <p:par>
-                    <p:cTn id="18" fill="hold">
+                    <p:cTn id="24" fill="hold">
                       <p:stCondLst>
                         <p:cond delay="indefinite"/>
                       </p:stCondLst>
                       <p:childTnLst>
                         <p:par>
-                          <p:cTn id="19" fill="hold">
+                          <p:cTn id="25" fill="hold">
                             <p:stCondLst>
                               <p:cond delay="0"/>
                             </p:stCondLst>
                             <p:childTnLst>
                               <p:par>
-                                <p:cTn id="20" presetID="9" presetClass="entr" presetSubtype="0" fill="hold" grpId="0" nodeType="clickEffect">
+                                <p:cTn id="26" presetID="9" presetClass="exit" presetSubtype="0" fill="hold" grpId="1" nodeType="clickEffect">
+                                  <p:stCondLst>
+                                    <p:cond delay="0"/>
+                                  </p:stCondLst>
+                                  <p:childTnLst>
+                                    <p:animEffect transition="out" filter="dissolve">
+                                      <p:cBhvr>
+                                        <p:cTn id="27" dur="500"/>
+                                        <p:tgtEl>
+                                          <p:spTgt spid="3">
+                                            <p:txEl>
+                                              <p:pRg st="2" end="2"/>
+                                            </p:txEl>
+                                          </p:spTgt>
+                                        </p:tgtEl>
+                                      </p:cBhvr>
+                                    </p:animEffect>
+                                    <p:set>
+                                      <p:cBhvr>
+                                        <p:cTn id="28" dur="1" fill="hold">
+                                          <p:stCondLst>
+                                            <p:cond delay="499"/>
+                                          </p:stCondLst>
+                                        </p:cTn>
+                                        <p:tgtEl>
+                                          <p:spTgt spid="3">
+                                            <p:txEl>
+                                              <p:pRg st="2" end="2"/>
+                                            </p:txEl>
+                                          </p:spTgt>
+                                        </p:tgtEl>
+                                        <p:attrNameLst>
+                                          <p:attrName>style.visibility</p:attrName>
+                                        </p:attrNameLst>
+                                      </p:cBhvr>
+                                      <p:to>
+                                        <p:strVal val="hidden"/>
+                                      </p:to>
+                                    </p:set>
+                                  </p:childTnLst>
+                                </p:cTn>
+                              </p:par>
+                              <p:par>
+                                <p:cTn id="29" presetID="9" presetClass="entr" presetSubtype="0" fill="hold" grpId="0" nodeType="withEffect">
                                   <p:stCondLst>
                                     <p:cond delay="0"/>
                                   </p:stCondLst>
                                   <p:childTnLst>
                                     <p:set>
                                       <p:cBhvr>
-                                        <p:cTn id="21" dur="1" fill="hold">
+                                        <p:cTn id="30" dur="1" fill="hold">
                                           <p:stCondLst>
                                             <p:cond delay="0"/>
                                           </p:stCondLst>
@@ -11331,7 +11553,7 @@
                                     </p:set>
                                     <p:animEffect transition="in" filter="dissolve">
                                       <p:cBhvr>
-                                        <p:cTn id="22" dur="500"/>
+                                        <p:cTn id="31" dur="500"/>
                                         <p:tgtEl>
                                           <p:spTgt spid="3">
                                             <p:txEl>
@@ -11351,26 +11573,69 @@
                     </p:cTn>
                   </p:par>
                   <p:par>
-                    <p:cTn id="23" fill="hold">
+                    <p:cTn id="32" fill="hold">
                       <p:stCondLst>
                         <p:cond delay="indefinite"/>
                       </p:stCondLst>
                       <p:childTnLst>
                         <p:par>
-                          <p:cTn id="24" fill="hold">
+                          <p:cTn id="33" fill="hold">
                             <p:stCondLst>
                               <p:cond delay="0"/>
                             </p:stCondLst>
                             <p:childTnLst>
                               <p:par>
-                                <p:cTn id="25" presetID="9" presetClass="entr" presetSubtype="0" fill="hold" grpId="0" nodeType="clickEffect">
+                                <p:cTn id="34" presetID="9" presetClass="exit" presetSubtype="0" fill="hold" grpId="1" nodeType="clickEffect">
+                                  <p:stCondLst>
+                                    <p:cond delay="0"/>
+                                  </p:stCondLst>
+                                  <p:childTnLst>
+                                    <p:animEffect transition="out" filter="dissolve">
+                                      <p:cBhvr>
+                                        <p:cTn id="35" dur="500"/>
+                                        <p:tgtEl>
+                                          <p:spTgt spid="3">
+                                            <p:txEl>
+                                              <p:pRg st="3" end="3"/>
+                                            </p:txEl>
+                                          </p:spTgt>
+                                        </p:tgtEl>
+                                      </p:cBhvr>
+                                    </p:animEffect>
+                                    <p:set>
+                                      <p:cBhvr>
+                                        <p:cTn id="36" dur="1" fill="hold">
+                                          <p:stCondLst>
+                                            <p:cond delay="499"/>
+                                          </p:stCondLst>
+                                        </p:cTn>
+                                        <p:tgtEl>
+                                          <p:spTgt spid="3">
+                                            <p:txEl>
+                                              <p:pRg st="3" end="3"/>
+                                            </p:txEl>
+                                          </p:spTgt>
+                                        </p:tgtEl>
+                                        <p:attrNameLst>
+                                          <p:attrName>style.visibility</p:attrName>
+                                        </p:attrNameLst>
+                                      </p:cBhvr>
+                                      <p:to>
+                                        <p:strVal val="hidden"/>
+                                      </p:to>
+                                    </p:set>
+                                  </p:childTnLst>
+                                </p:cTn>
+                              </p:par>
+                              <p:par>
+                                <p:cTn id="37" presetID="9" presetClass="entr" presetSubtype="0" fill="hold" grpId="0" nodeType="withEffect">
                                   <p:stCondLst>
                                     <p:cond delay="0"/>
                                   </p:stCondLst>
                                   <p:childTnLst>
                                     <p:set>
                                       <p:cBhvr>
-                                        <p:cTn id="26" dur="1" fill="hold">
+                                        <p:cTn id="38" dur="1" fill="hold">
                                           <p:stCondLst>
                                             <p:cond delay="0"/>
                                           </p:stCondLst>
@@ -11392,7 +11657,7 @@
                                     </p:set>
                                     <p:animEffect transition="in" filter="dissolve">
                                       <p:cBhvr>
-                                        <p:cTn id="27" dur="500"/>
+                                        <p:cTn id="39" dur="500"/>
                                         <p:tgtEl>
                                           <p:spTgt spid="3">
                                             <p:txEl>
@@ -11433,7 +11698,8 @@
       </p:par>
     </p:tnLst>
     <p:bldLst>
-      <p:bldP spid="3" grpId="0" build="p"/>
+      <p:bldP spid="3" grpId="0" uiExpand="1" build="p"/>
+      <p:bldP spid="3" grpId="1" uiExpand="1" build="p"/>
     </p:bldLst>
   </p:timing>
 </p:sld>
@@ -14189,24 +14455,13 @@
             </a:r>
             <a:r>
               <a:rPr lang="pt-BR" sz="2800" dirty="0"/>
-              <a:t> / </a:t>
-            </a:r>
-            <a:r>
-              <a:rPr lang="pt-BR" sz="2800" dirty="0" err="1"/>
-              <a:t>buferizando</a:t>
-            </a:r>
-            <a:r>
-              <a:rPr lang="pt-BR" sz="2800" dirty="0"/>
-              <a:t> / </a:t>
+              <a:t> ou </a:t>
             </a:r>
             <a:r>
               <a:rPr lang="pt-BR" sz="2800" i="1" dirty="0" err="1"/>
               <a:t>loading</a:t>
             </a:r>
-            <a:r>
-              <a:rPr lang="pt-BR" sz="2800" dirty="0"/>
-              <a:t> / carregando</a:t>
-            </a:r>
+            <a:endParaRPr lang="pt-BR" sz="2800" dirty="0"/>
           </a:p>
         </p:txBody>
       </p:sp>
